--- a/Docs/design/Wireframes.pptx
+++ b/Docs/design/Wireframes.pptx
@@ -2,16 +2,12 @@
 <file path=ppt/presentation.xml><?xml version="1.0" encoding="utf-8"?>
 <p:presentation xmlns:a="http://schemas.openxmlformats.org/drawingml/2006/main" xmlns:r="http://schemas.openxmlformats.org/officeDocument/2006/relationships" xmlns:p="http://schemas.openxmlformats.org/presentationml/2006/main" saveSubsetFonts="1">
   <p:sldMasterIdLst>
-    <p:sldMasterId id="2147483648" r:id="rId1"/>
+    <p:sldMasterId id="2147483696" r:id="rId1"/>
   </p:sldMasterIdLst>
   <p:sldIdLst>
     <p:sldId id="256" r:id="rId2"/>
-    <p:sldId id="258" r:id="rId3"/>
-    <p:sldId id="257" r:id="rId4"/>
-    <p:sldId id="259" r:id="rId5"/>
-    <p:sldId id="260" r:id="rId6"/>
   </p:sldIdLst>
-  <p:sldSz cx="6858000" cy="9144000" type="screen4x3"/>
+  <p:sldSz cx="6858000" cy="9144000" type="letter"/>
   <p:notesSz cx="6858000" cy="9144000"/>
   <p:defaultTextStyle>
     <a:defPPr>
@@ -140,19 +136,23 @@
         </p:nvSpPr>
         <p:spPr>
           <a:xfrm>
-            <a:off x="514350" y="2840568"/>
-            <a:ext cx="5829300" cy="1960033"/>
+            <a:off x="514350" y="1496484"/>
+            <a:ext cx="5829300" cy="3183467"/>
           </a:xfrm>
         </p:spPr>
         <p:txBody>
-          <a:bodyPr/>
-          <a:lstStyle/>
+          <a:bodyPr anchor="b"/>
+          <a:lstStyle>
+            <a:lvl1pPr algn="ctr">
+              <a:defRPr sz="4500"/>
+            </a:lvl1pPr>
+          </a:lstStyle>
           <a:p>
             <a:r>
               <a:rPr lang="en-US" smtClean="0"/>
               <a:t>Click to edit Master title style</a:t>
             </a:r>
-            <a:endParaRPr lang="fr-FR"/>
+            <a:endParaRPr lang="en-US" dirty="0"/>
           </a:p>
         </p:txBody>
       </p:sp>
@@ -168,8 +168,8 @@
         </p:nvSpPr>
         <p:spPr>
           <a:xfrm>
-            <a:off x="1028700" y="5181600"/>
-            <a:ext cx="4800600" cy="2336800"/>
+            <a:off x="857250" y="4802717"/>
+            <a:ext cx="5143500" cy="2207683"/>
           </a:xfrm>
         </p:spPr>
         <p:txBody>
@@ -177,93 +177,39 @@
           <a:lstStyle>
             <a:lvl1pPr marL="0" indent="0" algn="ctr">
               <a:buNone/>
-              <a:defRPr>
-                <a:solidFill>
-                  <a:schemeClr val="tx1">
-                    <a:tint val="75000"/>
-                  </a:schemeClr>
-                </a:solidFill>
-              </a:defRPr>
+              <a:defRPr sz="1800"/>
             </a:lvl1pPr>
-            <a:lvl2pPr marL="457200" indent="0" algn="ctr">
-              <a:buNone/>
-              <a:defRPr>
-                <a:solidFill>
-                  <a:schemeClr val="tx1">
-                    <a:tint val="75000"/>
-                  </a:schemeClr>
-                </a:solidFill>
-              </a:defRPr>
+            <a:lvl2pPr marL="342900" indent="0" algn="ctr">
+              <a:buNone/>
+              <a:defRPr sz="1500"/>
             </a:lvl2pPr>
-            <a:lvl3pPr marL="914400" indent="0" algn="ctr">
-              <a:buNone/>
-              <a:defRPr>
-                <a:solidFill>
-                  <a:schemeClr val="tx1">
-                    <a:tint val="75000"/>
-                  </a:schemeClr>
-                </a:solidFill>
-              </a:defRPr>
+            <a:lvl3pPr marL="685800" indent="0" algn="ctr">
+              <a:buNone/>
+              <a:defRPr sz="1350"/>
             </a:lvl3pPr>
-            <a:lvl4pPr marL="1371600" indent="0" algn="ctr">
-              <a:buNone/>
-              <a:defRPr>
-                <a:solidFill>
-                  <a:schemeClr val="tx1">
-                    <a:tint val="75000"/>
-                  </a:schemeClr>
-                </a:solidFill>
-              </a:defRPr>
+            <a:lvl4pPr marL="1028700" indent="0" algn="ctr">
+              <a:buNone/>
+              <a:defRPr sz="1200"/>
             </a:lvl4pPr>
-            <a:lvl5pPr marL="1828800" indent="0" algn="ctr">
-              <a:buNone/>
-              <a:defRPr>
-                <a:solidFill>
-                  <a:schemeClr val="tx1">
-                    <a:tint val="75000"/>
-                  </a:schemeClr>
-                </a:solidFill>
-              </a:defRPr>
+            <a:lvl5pPr marL="1371600" indent="0" algn="ctr">
+              <a:buNone/>
+              <a:defRPr sz="1200"/>
             </a:lvl5pPr>
-            <a:lvl6pPr marL="2286000" indent="0" algn="ctr">
-              <a:buNone/>
-              <a:defRPr>
-                <a:solidFill>
-                  <a:schemeClr val="tx1">
-                    <a:tint val="75000"/>
-                  </a:schemeClr>
-                </a:solidFill>
-              </a:defRPr>
+            <a:lvl6pPr marL="1714500" indent="0" algn="ctr">
+              <a:buNone/>
+              <a:defRPr sz="1200"/>
             </a:lvl6pPr>
-            <a:lvl7pPr marL="2743200" indent="0" algn="ctr">
-              <a:buNone/>
-              <a:defRPr>
-                <a:solidFill>
-                  <a:schemeClr val="tx1">
-                    <a:tint val="75000"/>
-                  </a:schemeClr>
-                </a:solidFill>
-              </a:defRPr>
+            <a:lvl7pPr marL="2057400" indent="0" algn="ctr">
+              <a:buNone/>
+              <a:defRPr sz="1200"/>
             </a:lvl7pPr>
-            <a:lvl8pPr marL="3200400" indent="0" algn="ctr">
-              <a:buNone/>
-              <a:defRPr>
-                <a:solidFill>
-                  <a:schemeClr val="tx1">
-                    <a:tint val="75000"/>
-                  </a:schemeClr>
-                </a:solidFill>
-              </a:defRPr>
+            <a:lvl8pPr marL="2400300" indent="0" algn="ctr">
+              <a:buNone/>
+              <a:defRPr sz="1200"/>
             </a:lvl8pPr>
-            <a:lvl9pPr marL="3657600" indent="0" algn="ctr">
-              <a:buNone/>
-              <a:defRPr>
-                <a:solidFill>
-                  <a:schemeClr val="tx1">
-                    <a:tint val="75000"/>
-                  </a:schemeClr>
-                </a:solidFill>
-              </a:defRPr>
+            <a:lvl9pPr marL="2743200" indent="0" algn="ctr">
+              <a:buNone/>
+              <a:defRPr sz="1200"/>
             </a:lvl9pPr>
           </a:lstStyle>
           <a:p>
@@ -271,7 +217,7 @@
               <a:rPr lang="en-US" smtClean="0"/>
               <a:t>Click to edit Master subtitle style</a:t>
             </a:r>
-            <a:endParaRPr lang="fr-FR"/>
+            <a:endParaRPr lang="en-US" dirty="0"/>
           </a:p>
         </p:txBody>
       </p:sp>
@@ -290,9 +236,9 @@
           <a:bodyPr/>
           <a:lstStyle/>
           <a:p>
-            <a:fld id="{DABB6EC6-6789-4C8E-BEB3-6566763BD877}" type="datetimeFigureOut">
+            <a:fld id="{DEC9E097-1BB1-4072-8E9A-5D1E9C159281}" type="datetimeFigureOut">
               <a:rPr lang="fr-FR" smtClean="0"/>
-              <a:t>18/09/2015</a:t>
+              <a:t>25/09/2015</a:t>
             </a:fld>
             <a:endParaRPr lang="fr-FR"/>
           </a:p>
@@ -332,7 +278,7 @@
           <a:bodyPr/>
           <a:lstStyle/>
           <a:p>
-            <a:fld id="{4D9021E2-211A-4F2A-8B49-15D78AE34037}" type="slidenum">
+            <a:fld id="{4D729B03-894A-4950-A39E-A664397CD3C8}" type="slidenum">
               <a:rPr lang="fr-FR" smtClean="0"/>
               <a:t>‹#›</a:t>
             </a:fld>
@@ -343,7 +289,7 @@
     </p:spTree>
     <p:extLst>
       <p:ext uri="{BB962C8B-B14F-4D97-AF65-F5344CB8AC3E}">
-        <p14:creationId xmlns:p14="http://schemas.microsoft.com/office/powerpoint/2010/main" val="868079630"/>
+        <p14:creationId xmlns:p14="http://schemas.microsoft.com/office/powerpoint/2010/main" val="1512076313"/>
       </p:ext>
     </p:extLst>
   </p:cSld>
@@ -389,7 +335,7 @@
               <a:rPr lang="en-US" smtClean="0"/>
               <a:t>Click to edit Master title style</a:t>
             </a:r>
-            <a:endParaRPr lang="fr-FR"/>
+            <a:endParaRPr lang="en-US" dirty="0"/>
           </a:p>
         </p:txBody>
       </p:sp>
@@ -441,7 +387,7 @@
               <a:rPr lang="en-US" smtClean="0"/>
               <a:t>Fifth level</a:t>
             </a:r>
-            <a:endParaRPr lang="fr-FR"/>
+            <a:endParaRPr lang="en-US" dirty="0"/>
           </a:p>
         </p:txBody>
       </p:sp>
@@ -460,9 +406,9 @@
           <a:bodyPr/>
           <a:lstStyle/>
           <a:p>
-            <a:fld id="{DABB6EC6-6789-4C8E-BEB3-6566763BD877}" type="datetimeFigureOut">
+            <a:fld id="{DEC9E097-1BB1-4072-8E9A-5D1E9C159281}" type="datetimeFigureOut">
               <a:rPr lang="fr-FR" smtClean="0"/>
-              <a:t>18/09/2015</a:t>
+              <a:t>25/09/2015</a:t>
             </a:fld>
             <a:endParaRPr lang="fr-FR"/>
           </a:p>
@@ -502,7 +448,7 @@
           <a:bodyPr/>
           <a:lstStyle/>
           <a:p>
-            <a:fld id="{4D9021E2-211A-4F2A-8B49-15D78AE34037}" type="slidenum">
+            <a:fld id="{4D729B03-894A-4950-A39E-A664397CD3C8}" type="slidenum">
               <a:rPr lang="fr-FR" smtClean="0"/>
               <a:t>‹#›</a:t>
             </a:fld>
@@ -513,7 +459,7 @@
     </p:spTree>
     <p:extLst>
       <p:ext uri="{BB962C8B-B14F-4D97-AF65-F5344CB8AC3E}">
-        <p14:creationId xmlns:p14="http://schemas.microsoft.com/office/powerpoint/2010/main" val="3907134956"/>
+        <p14:creationId xmlns:p14="http://schemas.microsoft.com/office/powerpoint/2010/main" val="1003088307"/>
       </p:ext>
     </p:extLst>
   </p:cSld>
@@ -552,8 +498,8 @@
         </p:nvSpPr>
         <p:spPr>
           <a:xfrm>
-            <a:off x="3729037" y="488951"/>
-            <a:ext cx="1157288" cy="10401300"/>
+            <a:off x="4907757" y="486834"/>
+            <a:ext cx="1478756" cy="7749117"/>
           </a:xfrm>
         </p:spPr>
         <p:txBody>
@@ -564,7 +510,7 @@
               <a:rPr lang="en-US" smtClean="0"/>
               <a:t>Click to edit Master title style</a:t>
             </a:r>
-            <a:endParaRPr lang="fr-FR"/>
+            <a:endParaRPr lang="en-US" dirty="0"/>
           </a:p>
         </p:txBody>
       </p:sp>
@@ -580,8 +526,8 @@
         </p:nvSpPr>
         <p:spPr>
           <a:xfrm>
-            <a:off x="257175" y="488951"/>
-            <a:ext cx="3357563" cy="10401300"/>
+            <a:off x="471488" y="486834"/>
+            <a:ext cx="4350544" cy="7749117"/>
           </a:xfrm>
         </p:spPr>
         <p:txBody>
@@ -621,7 +567,7 @@
               <a:rPr lang="en-US" smtClean="0"/>
               <a:t>Fifth level</a:t>
             </a:r>
-            <a:endParaRPr lang="fr-FR"/>
+            <a:endParaRPr lang="en-US" dirty="0"/>
           </a:p>
         </p:txBody>
       </p:sp>
@@ -640,9 +586,9 @@
           <a:bodyPr/>
           <a:lstStyle/>
           <a:p>
-            <a:fld id="{DABB6EC6-6789-4C8E-BEB3-6566763BD877}" type="datetimeFigureOut">
+            <a:fld id="{DEC9E097-1BB1-4072-8E9A-5D1E9C159281}" type="datetimeFigureOut">
               <a:rPr lang="fr-FR" smtClean="0"/>
-              <a:t>18/09/2015</a:t>
+              <a:t>25/09/2015</a:t>
             </a:fld>
             <a:endParaRPr lang="fr-FR"/>
           </a:p>
@@ -682,7 +628,7 @@
           <a:bodyPr/>
           <a:lstStyle/>
           <a:p>
-            <a:fld id="{4D9021E2-211A-4F2A-8B49-15D78AE34037}" type="slidenum">
+            <a:fld id="{4D729B03-894A-4950-A39E-A664397CD3C8}" type="slidenum">
               <a:rPr lang="fr-FR" smtClean="0"/>
               <a:t>‹#›</a:t>
             </a:fld>
@@ -693,7 +639,7 @@
     </p:spTree>
     <p:extLst>
       <p:ext uri="{BB962C8B-B14F-4D97-AF65-F5344CB8AC3E}">
-        <p14:creationId xmlns:p14="http://schemas.microsoft.com/office/powerpoint/2010/main" val="1781506868"/>
+        <p14:creationId xmlns:p14="http://schemas.microsoft.com/office/powerpoint/2010/main" val="1850605509"/>
       </p:ext>
     </p:extLst>
   </p:cSld>
@@ -739,7 +685,7 @@
               <a:rPr lang="en-US" smtClean="0"/>
               <a:t>Click to edit Master title style</a:t>
             </a:r>
-            <a:endParaRPr lang="fr-FR"/>
+            <a:endParaRPr lang="en-US" dirty="0"/>
           </a:p>
         </p:txBody>
       </p:sp>
@@ -791,7 +737,7 @@
               <a:rPr lang="en-US" smtClean="0"/>
               <a:t>Fifth level</a:t>
             </a:r>
-            <a:endParaRPr lang="fr-FR"/>
+            <a:endParaRPr lang="en-US" dirty="0"/>
           </a:p>
         </p:txBody>
       </p:sp>
@@ -810,9 +756,9 @@
           <a:bodyPr/>
           <a:lstStyle/>
           <a:p>
-            <a:fld id="{DABB6EC6-6789-4C8E-BEB3-6566763BD877}" type="datetimeFigureOut">
+            <a:fld id="{DEC9E097-1BB1-4072-8E9A-5D1E9C159281}" type="datetimeFigureOut">
               <a:rPr lang="fr-FR" smtClean="0"/>
-              <a:t>18/09/2015</a:t>
+              <a:t>25/09/2015</a:t>
             </a:fld>
             <a:endParaRPr lang="fr-FR"/>
           </a:p>
@@ -852,7 +798,7 @@
           <a:bodyPr/>
           <a:lstStyle/>
           <a:p>
-            <a:fld id="{4D9021E2-211A-4F2A-8B49-15D78AE34037}" type="slidenum">
+            <a:fld id="{4D729B03-894A-4950-A39E-A664397CD3C8}" type="slidenum">
               <a:rPr lang="fr-FR" smtClean="0"/>
               <a:t>‹#›</a:t>
             </a:fld>
@@ -863,7 +809,7 @@
     </p:spTree>
     <p:extLst>
       <p:ext uri="{BB962C8B-B14F-4D97-AF65-F5344CB8AC3E}">
-        <p14:creationId xmlns:p14="http://schemas.microsoft.com/office/powerpoint/2010/main" val="1465337263"/>
+        <p14:creationId xmlns:p14="http://schemas.microsoft.com/office/powerpoint/2010/main" val="3803365965"/>
       </p:ext>
     </p:extLst>
   </p:cSld>
@@ -902,15 +848,15 @@
         </p:nvSpPr>
         <p:spPr>
           <a:xfrm>
-            <a:off x="541735" y="5875867"/>
-            <a:ext cx="5829300" cy="1816100"/>
+            <a:off x="467916" y="2279653"/>
+            <a:ext cx="5915025" cy="3803649"/>
           </a:xfrm>
         </p:spPr>
         <p:txBody>
-          <a:bodyPr anchor="t"/>
+          <a:bodyPr anchor="b"/>
           <a:lstStyle>
-            <a:lvl1pPr algn="l">
-              <a:defRPr sz="4000" b="1" cap="all"/>
+            <a:lvl1pPr>
+              <a:defRPr sz="4500"/>
             </a:lvl1pPr>
           </a:lstStyle>
           <a:p>
@@ -918,7 +864,7 @@
               <a:rPr lang="en-US" smtClean="0"/>
               <a:t>Click to edit Master title style</a:t>
             </a:r>
-            <a:endParaRPr lang="fr-FR"/>
+            <a:endParaRPr lang="en-US" dirty="0"/>
           </a:p>
         </p:txBody>
       </p:sp>
@@ -934,26 +880,24 @@
         </p:nvSpPr>
         <p:spPr>
           <a:xfrm>
-            <a:off x="541735" y="3875618"/>
-            <a:ext cx="5829300" cy="2000249"/>
+            <a:off x="467916" y="6119286"/>
+            <a:ext cx="5915025" cy="2000249"/>
           </a:xfrm>
         </p:spPr>
         <p:txBody>
-          <a:bodyPr anchor="b"/>
+          <a:bodyPr/>
           <a:lstStyle>
             <a:lvl1pPr marL="0" indent="0">
               <a:buNone/>
-              <a:defRPr sz="2000">
+              <a:defRPr sz="1800">
                 <a:solidFill>
-                  <a:schemeClr val="tx1">
-                    <a:tint val="75000"/>
-                  </a:schemeClr>
+                  <a:schemeClr val="tx1"/>
                 </a:solidFill>
               </a:defRPr>
             </a:lvl1pPr>
-            <a:lvl2pPr marL="457200" indent="0">
-              <a:buNone/>
-              <a:defRPr sz="1800">
+            <a:lvl2pPr marL="342900" indent="0">
+              <a:buNone/>
+              <a:defRPr sz="1500">
                 <a:solidFill>
                   <a:schemeClr val="tx1">
                     <a:tint val="75000"/>
@@ -961,9 +905,9 @@
                 </a:solidFill>
               </a:defRPr>
             </a:lvl2pPr>
-            <a:lvl3pPr marL="914400" indent="0">
-              <a:buNone/>
-              <a:defRPr sz="1600">
+            <a:lvl3pPr marL="685800" indent="0">
+              <a:buNone/>
+              <a:defRPr sz="1350">
                 <a:solidFill>
                   <a:schemeClr val="tx1">
                     <a:tint val="75000"/>
@@ -971,9 +915,9 @@
                 </a:solidFill>
               </a:defRPr>
             </a:lvl3pPr>
-            <a:lvl4pPr marL="1371600" indent="0">
-              <a:buNone/>
-              <a:defRPr sz="1400">
+            <a:lvl4pPr marL="1028700" indent="0">
+              <a:buNone/>
+              <a:defRPr sz="1200">
                 <a:solidFill>
                   <a:schemeClr val="tx1">
                     <a:tint val="75000"/>
@@ -981,9 +925,9 @@
                 </a:solidFill>
               </a:defRPr>
             </a:lvl4pPr>
-            <a:lvl5pPr marL="1828800" indent="0">
-              <a:buNone/>
-              <a:defRPr sz="1400">
+            <a:lvl5pPr marL="1371600" indent="0">
+              <a:buNone/>
+              <a:defRPr sz="1200">
                 <a:solidFill>
                   <a:schemeClr val="tx1">
                     <a:tint val="75000"/>
@@ -991,9 +935,9 @@
                 </a:solidFill>
               </a:defRPr>
             </a:lvl5pPr>
-            <a:lvl6pPr marL="2286000" indent="0">
-              <a:buNone/>
-              <a:defRPr sz="1400">
+            <a:lvl6pPr marL="1714500" indent="0">
+              <a:buNone/>
+              <a:defRPr sz="1200">
                 <a:solidFill>
                   <a:schemeClr val="tx1">
                     <a:tint val="75000"/>
@@ -1001,9 +945,9 @@
                 </a:solidFill>
               </a:defRPr>
             </a:lvl6pPr>
-            <a:lvl7pPr marL="2743200" indent="0">
-              <a:buNone/>
-              <a:defRPr sz="1400">
+            <a:lvl7pPr marL="2057400" indent="0">
+              <a:buNone/>
+              <a:defRPr sz="1200">
                 <a:solidFill>
                   <a:schemeClr val="tx1">
                     <a:tint val="75000"/>
@@ -1011,9 +955,9 @@
                 </a:solidFill>
               </a:defRPr>
             </a:lvl7pPr>
-            <a:lvl8pPr marL="3200400" indent="0">
-              <a:buNone/>
-              <a:defRPr sz="1400">
+            <a:lvl8pPr marL="2400300" indent="0">
+              <a:buNone/>
+              <a:defRPr sz="1200">
                 <a:solidFill>
                   <a:schemeClr val="tx1">
                     <a:tint val="75000"/>
@@ -1021,9 +965,9 @@
                 </a:solidFill>
               </a:defRPr>
             </a:lvl8pPr>
-            <a:lvl9pPr marL="3657600" indent="0">
-              <a:buNone/>
-              <a:defRPr sz="1400">
+            <a:lvl9pPr marL="2743200" indent="0">
+              <a:buNone/>
+              <a:defRPr sz="1200">
                 <a:solidFill>
                   <a:schemeClr val="tx1">
                     <a:tint val="75000"/>
@@ -1056,9 +1000,9 @@
           <a:bodyPr/>
           <a:lstStyle/>
           <a:p>
-            <a:fld id="{DABB6EC6-6789-4C8E-BEB3-6566763BD877}" type="datetimeFigureOut">
+            <a:fld id="{DEC9E097-1BB1-4072-8E9A-5D1E9C159281}" type="datetimeFigureOut">
               <a:rPr lang="fr-FR" smtClean="0"/>
-              <a:t>18/09/2015</a:t>
+              <a:t>25/09/2015</a:t>
             </a:fld>
             <a:endParaRPr lang="fr-FR"/>
           </a:p>
@@ -1098,7 +1042,7 @@
           <a:bodyPr/>
           <a:lstStyle/>
           <a:p>
-            <a:fld id="{4D9021E2-211A-4F2A-8B49-15D78AE34037}" type="slidenum">
+            <a:fld id="{4D729B03-894A-4950-A39E-A664397CD3C8}" type="slidenum">
               <a:rPr lang="fr-FR" smtClean="0"/>
               <a:t>‹#›</a:t>
             </a:fld>
@@ -1109,7 +1053,7 @@
     </p:spTree>
     <p:extLst>
       <p:ext uri="{BB962C8B-B14F-4D97-AF65-F5344CB8AC3E}">
-        <p14:creationId xmlns:p14="http://schemas.microsoft.com/office/powerpoint/2010/main" val="88924299"/>
+        <p14:creationId xmlns:p14="http://schemas.microsoft.com/office/powerpoint/2010/main" val="44603989"/>
       </p:ext>
     </p:extLst>
   </p:cSld>
@@ -1155,7 +1099,7 @@
               <a:rPr lang="en-US" smtClean="0"/>
               <a:t>Click to edit Master title style</a:t>
             </a:r>
-            <a:endParaRPr lang="fr-FR"/>
+            <a:endParaRPr lang="en-US" dirty="0"/>
           </a:p>
         </p:txBody>
       </p:sp>
@@ -1171,41 +1115,13 @@
         </p:nvSpPr>
         <p:spPr>
           <a:xfrm>
-            <a:off x="257175" y="2844800"/>
-            <a:ext cx="2257425" cy="8045451"/>
+            <a:off x="471488" y="2434167"/>
+            <a:ext cx="2914650" cy="5801784"/>
           </a:xfrm>
         </p:spPr>
         <p:txBody>
           <a:bodyPr/>
-          <a:lstStyle>
-            <a:lvl1pPr>
-              <a:defRPr sz="2800"/>
-            </a:lvl1pPr>
-            <a:lvl2pPr>
-              <a:defRPr sz="2400"/>
-            </a:lvl2pPr>
-            <a:lvl3pPr>
-              <a:defRPr sz="2000"/>
-            </a:lvl3pPr>
-            <a:lvl4pPr>
-              <a:defRPr sz="1800"/>
-            </a:lvl4pPr>
-            <a:lvl5pPr>
-              <a:defRPr sz="1800"/>
-            </a:lvl5pPr>
-            <a:lvl6pPr>
-              <a:defRPr sz="1800"/>
-            </a:lvl6pPr>
-            <a:lvl7pPr>
-              <a:defRPr sz="1800"/>
-            </a:lvl7pPr>
-            <a:lvl8pPr>
-              <a:defRPr sz="1800"/>
-            </a:lvl8pPr>
-            <a:lvl9pPr>
-              <a:defRPr sz="1800"/>
-            </a:lvl9pPr>
-          </a:lstStyle>
+          <a:lstStyle/>
           <a:p>
             <a:pPr lvl="0"/>
             <a:r>
@@ -1240,7 +1156,7 @@
               <a:rPr lang="en-US" smtClean="0"/>
               <a:t>Fifth level</a:t>
             </a:r>
-            <a:endParaRPr lang="fr-FR"/>
+            <a:endParaRPr lang="en-US" dirty="0"/>
           </a:p>
         </p:txBody>
       </p:sp>
@@ -1256,41 +1172,13 @@
         </p:nvSpPr>
         <p:spPr>
           <a:xfrm>
-            <a:off x="2628900" y="2844800"/>
-            <a:ext cx="2257425" cy="8045451"/>
+            <a:off x="3471863" y="2434167"/>
+            <a:ext cx="2914650" cy="5801784"/>
           </a:xfrm>
         </p:spPr>
         <p:txBody>
           <a:bodyPr/>
-          <a:lstStyle>
-            <a:lvl1pPr>
-              <a:defRPr sz="2800"/>
-            </a:lvl1pPr>
-            <a:lvl2pPr>
-              <a:defRPr sz="2400"/>
-            </a:lvl2pPr>
-            <a:lvl3pPr>
-              <a:defRPr sz="2000"/>
-            </a:lvl3pPr>
-            <a:lvl4pPr>
-              <a:defRPr sz="1800"/>
-            </a:lvl4pPr>
-            <a:lvl5pPr>
-              <a:defRPr sz="1800"/>
-            </a:lvl5pPr>
-            <a:lvl6pPr>
-              <a:defRPr sz="1800"/>
-            </a:lvl6pPr>
-            <a:lvl7pPr>
-              <a:defRPr sz="1800"/>
-            </a:lvl7pPr>
-            <a:lvl8pPr>
-              <a:defRPr sz="1800"/>
-            </a:lvl8pPr>
-            <a:lvl9pPr>
-              <a:defRPr sz="1800"/>
-            </a:lvl9pPr>
-          </a:lstStyle>
+          <a:lstStyle/>
           <a:p>
             <a:pPr lvl="0"/>
             <a:r>
@@ -1325,7 +1213,7 @@
               <a:rPr lang="en-US" smtClean="0"/>
               <a:t>Fifth level</a:t>
             </a:r>
-            <a:endParaRPr lang="fr-FR"/>
+            <a:endParaRPr lang="en-US" dirty="0"/>
           </a:p>
         </p:txBody>
       </p:sp>
@@ -1344,9 +1232,9 @@
           <a:bodyPr/>
           <a:lstStyle/>
           <a:p>
-            <a:fld id="{DABB6EC6-6789-4C8E-BEB3-6566763BD877}" type="datetimeFigureOut">
+            <a:fld id="{DEC9E097-1BB1-4072-8E9A-5D1E9C159281}" type="datetimeFigureOut">
               <a:rPr lang="fr-FR" smtClean="0"/>
-              <a:t>18/09/2015</a:t>
+              <a:t>25/09/2015</a:t>
             </a:fld>
             <a:endParaRPr lang="fr-FR"/>
           </a:p>
@@ -1386,7 +1274,7 @@
           <a:bodyPr/>
           <a:lstStyle/>
           <a:p>
-            <a:fld id="{4D9021E2-211A-4F2A-8B49-15D78AE34037}" type="slidenum">
+            <a:fld id="{4D729B03-894A-4950-A39E-A664397CD3C8}" type="slidenum">
               <a:rPr lang="fr-FR" smtClean="0"/>
               <a:t>‹#›</a:t>
             </a:fld>
@@ -1397,7 +1285,7 @@
     </p:spTree>
     <p:extLst>
       <p:ext uri="{BB962C8B-B14F-4D97-AF65-F5344CB8AC3E}">
-        <p14:creationId xmlns:p14="http://schemas.microsoft.com/office/powerpoint/2010/main" val="361803843"/>
+        <p14:creationId xmlns:p14="http://schemas.microsoft.com/office/powerpoint/2010/main" val="2364523394"/>
       </p:ext>
     </p:extLst>
   </p:cSld>
@@ -1436,23 +1324,19 @@
         </p:nvSpPr>
         <p:spPr>
           <a:xfrm>
-            <a:off x="342900" y="366184"/>
-            <a:ext cx="6172200" cy="1524000"/>
+            <a:off x="472381" y="486836"/>
+            <a:ext cx="5915025" cy="1767417"/>
           </a:xfrm>
         </p:spPr>
         <p:txBody>
           <a:bodyPr/>
-          <a:lstStyle>
-            <a:lvl1pPr>
-              <a:defRPr/>
-            </a:lvl1pPr>
-          </a:lstStyle>
+          <a:lstStyle/>
           <a:p>
             <a:r>
               <a:rPr lang="en-US" smtClean="0"/>
               <a:t>Click to edit Master title style</a:t>
             </a:r>
-            <a:endParaRPr lang="fr-FR"/>
+            <a:endParaRPr lang="en-US" dirty="0"/>
           </a:p>
         </p:txBody>
       </p:sp>
@@ -1468,8 +1352,8 @@
         </p:nvSpPr>
         <p:spPr>
           <a:xfrm>
-            <a:off x="342900" y="2046817"/>
-            <a:ext cx="3030141" cy="853016"/>
+            <a:off x="472381" y="2241551"/>
+            <a:ext cx="2901255" cy="1098549"/>
           </a:xfrm>
         </p:spPr>
         <p:txBody>
@@ -1477,39 +1361,39 @@
           <a:lstStyle>
             <a:lvl1pPr marL="0" indent="0">
               <a:buNone/>
-              <a:defRPr sz="2400" b="1"/>
+              <a:defRPr sz="1800" b="1"/>
             </a:lvl1pPr>
-            <a:lvl2pPr marL="457200" indent="0">
-              <a:buNone/>
-              <a:defRPr sz="2000" b="1"/>
+            <a:lvl2pPr marL="342900" indent="0">
+              <a:buNone/>
+              <a:defRPr sz="1500" b="1"/>
             </a:lvl2pPr>
-            <a:lvl3pPr marL="914400" indent="0">
-              <a:buNone/>
-              <a:defRPr sz="1800" b="1"/>
+            <a:lvl3pPr marL="685800" indent="0">
+              <a:buNone/>
+              <a:defRPr sz="1350" b="1"/>
             </a:lvl3pPr>
-            <a:lvl4pPr marL="1371600" indent="0">
-              <a:buNone/>
-              <a:defRPr sz="1600" b="1"/>
+            <a:lvl4pPr marL="1028700" indent="0">
+              <a:buNone/>
+              <a:defRPr sz="1200" b="1"/>
             </a:lvl4pPr>
-            <a:lvl5pPr marL="1828800" indent="0">
-              <a:buNone/>
-              <a:defRPr sz="1600" b="1"/>
+            <a:lvl5pPr marL="1371600" indent="0">
+              <a:buNone/>
+              <a:defRPr sz="1200" b="1"/>
             </a:lvl5pPr>
-            <a:lvl6pPr marL="2286000" indent="0">
-              <a:buNone/>
-              <a:defRPr sz="1600" b="1"/>
+            <a:lvl6pPr marL="1714500" indent="0">
+              <a:buNone/>
+              <a:defRPr sz="1200" b="1"/>
             </a:lvl6pPr>
-            <a:lvl7pPr marL="2743200" indent="0">
-              <a:buNone/>
-              <a:defRPr sz="1600" b="1"/>
+            <a:lvl7pPr marL="2057400" indent="0">
+              <a:buNone/>
+              <a:defRPr sz="1200" b="1"/>
             </a:lvl7pPr>
-            <a:lvl8pPr marL="3200400" indent="0">
-              <a:buNone/>
-              <a:defRPr sz="1600" b="1"/>
+            <a:lvl8pPr marL="2400300" indent="0">
+              <a:buNone/>
+              <a:defRPr sz="1200" b="1"/>
             </a:lvl8pPr>
-            <a:lvl9pPr marL="3657600" indent="0">
-              <a:buNone/>
-              <a:defRPr sz="1600" b="1"/>
+            <a:lvl9pPr marL="2743200" indent="0">
+              <a:buNone/>
+              <a:defRPr sz="1200" b="1"/>
             </a:lvl9pPr>
           </a:lstStyle>
           <a:p>
@@ -1533,41 +1417,13 @@
         </p:nvSpPr>
         <p:spPr>
           <a:xfrm>
-            <a:off x="342900" y="2899833"/>
-            <a:ext cx="3030141" cy="5268384"/>
+            <a:off x="472381" y="3340100"/>
+            <a:ext cx="2901255" cy="4912784"/>
           </a:xfrm>
         </p:spPr>
         <p:txBody>
           <a:bodyPr/>
-          <a:lstStyle>
-            <a:lvl1pPr>
-              <a:defRPr sz="2400"/>
-            </a:lvl1pPr>
-            <a:lvl2pPr>
-              <a:defRPr sz="2000"/>
-            </a:lvl2pPr>
-            <a:lvl3pPr>
-              <a:defRPr sz="1800"/>
-            </a:lvl3pPr>
-            <a:lvl4pPr>
-              <a:defRPr sz="1600"/>
-            </a:lvl4pPr>
-            <a:lvl5pPr>
-              <a:defRPr sz="1600"/>
-            </a:lvl5pPr>
-            <a:lvl6pPr>
-              <a:defRPr sz="1600"/>
-            </a:lvl6pPr>
-            <a:lvl7pPr>
-              <a:defRPr sz="1600"/>
-            </a:lvl7pPr>
-            <a:lvl8pPr>
-              <a:defRPr sz="1600"/>
-            </a:lvl8pPr>
-            <a:lvl9pPr>
-              <a:defRPr sz="1600"/>
-            </a:lvl9pPr>
-          </a:lstStyle>
+          <a:lstStyle/>
           <a:p>
             <a:pPr lvl="0"/>
             <a:r>
@@ -1602,7 +1458,7 @@
               <a:rPr lang="en-US" smtClean="0"/>
               <a:t>Fifth level</a:t>
             </a:r>
-            <a:endParaRPr lang="fr-FR"/>
+            <a:endParaRPr lang="en-US" dirty="0"/>
           </a:p>
         </p:txBody>
       </p:sp>
@@ -1618,8 +1474,8 @@
         </p:nvSpPr>
         <p:spPr>
           <a:xfrm>
-            <a:off x="3483769" y="2046817"/>
-            <a:ext cx="3031331" cy="853016"/>
+            <a:off x="3471863" y="2241551"/>
+            <a:ext cx="2915543" cy="1098549"/>
           </a:xfrm>
         </p:spPr>
         <p:txBody>
@@ -1627,39 +1483,39 @@
           <a:lstStyle>
             <a:lvl1pPr marL="0" indent="0">
               <a:buNone/>
-              <a:defRPr sz="2400" b="1"/>
+              <a:defRPr sz="1800" b="1"/>
             </a:lvl1pPr>
-            <a:lvl2pPr marL="457200" indent="0">
-              <a:buNone/>
-              <a:defRPr sz="2000" b="1"/>
+            <a:lvl2pPr marL="342900" indent="0">
+              <a:buNone/>
+              <a:defRPr sz="1500" b="1"/>
             </a:lvl2pPr>
-            <a:lvl3pPr marL="914400" indent="0">
-              <a:buNone/>
-              <a:defRPr sz="1800" b="1"/>
+            <a:lvl3pPr marL="685800" indent="0">
+              <a:buNone/>
+              <a:defRPr sz="1350" b="1"/>
             </a:lvl3pPr>
-            <a:lvl4pPr marL="1371600" indent="0">
-              <a:buNone/>
-              <a:defRPr sz="1600" b="1"/>
+            <a:lvl4pPr marL="1028700" indent="0">
+              <a:buNone/>
+              <a:defRPr sz="1200" b="1"/>
             </a:lvl4pPr>
-            <a:lvl5pPr marL="1828800" indent="0">
-              <a:buNone/>
-              <a:defRPr sz="1600" b="1"/>
+            <a:lvl5pPr marL="1371600" indent="0">
+              <a:buNone/>
+              <a:defRPr sz="1200" b="1"/>
             </a:lvl5pPr>
-            <a:lvl6pPr marL="2286000" indent="0">
-              <a:buNone/>
-              <a:defRPr sz="1600" b="1"/>
+            <a:lvl6pPr marL="1714500" indent="0">
+              <a:buNone/>
+              <a:defRPr sz="1200" b="1"/>
             </a:lvl6pPr>
-            <a:lvl7pPr marL="2743200" indent="0">
-              <a:buNone/>
-              <a:defRPr sz="1600" b="1"/>
+            <a:lvl7pPr marL="2057400" indent="0">
+              <a:buNone/>
+              <a:defRPr sz="1200" b="1"/>
             </a:lvl7pPr>
-            <a:lvl8pPr marL="3200400" indent="0">
-              <a:buNone/>
-              <a:defRPr sz="1600" b="1"/>
+            <a:lvl8pPr marL="2400300" indent="0">
+              <a:buNone/>
+              <a:defRPr sz="1200" b="1"/>
             </a:lvl8pPr>
-            <a:lvl9pPr marL="3657600" indent="0">
-              <a:buNone/>
-              <a:defRPr sz="1600" b="1"/>
+            <a:lvl9pPr marL="2743200" indent="0">
+              <a:buNone/>
+              <a:defRPr sz="1200" b="1"/>
             </a:lvl9pPr>
           </a:lstStyle>
           <a:p>
@@ -1683,41 +1539,13 @@
         </p:nvSpPr>
         <p:spPr>
           <a:xfrm>
-            <a:off x="3483769" y="2899833"/>
-            <a:ext cx="3031331" cy="5268384"/>
+            <a:off x="3471863" y="3340100"/>
+            <a:ext cx="2915543" cy="4912784"/>
           </a:xfrm>
         </p:spPr>
         <p:txBody>
           <a:bodyPr/>
-          <a:lstStyle>
-            <a:lvl1pPr>
-              <a:defRPr sz="2400"/>
-            </a:lvl1pPr>
-            <a:lvl2pPr>
-              <a:defRPr sz="2000"/>
-            </a:lvl2pPr>
-            <a:lvl3pPr>
-              <a:defRPr sz="1800"/>
-            </a:lvl3pPr>
-            <a:lvl4pPr>
-              <a:defRPr sz="1600"/>
-            </a:lvl4pPr>
-            <a:lvl5pPr>
-              <a:defRPr sz="1600"/>
-            </a:lvl5pPr>
-            <a:lvl6pPr>
-              <a:defRPr sz="1600"/>
-            </a:lvl6pPr>
-            <a:lvl7pPr>
-              <a:defRPr sz="1600"/>
-            </a:lvl7pPr>
-            <a:lvl8pPr>
-              <a:defRPr sz="1600"/>
-            </a:lvl8pPr>
-            <a:lvl9pPr>
-              <a:defRPr sz="1600"/>
-            </a:lvl9pPr>
-          </a:lstStyle>
+          <a:lstStyle/>
           <a:p>
             <a:pPr lvl="0"/>
             <a:r>
@@ -1752,7 +1580,7 @@
               <a:rPr lang="en-US" smtClean="0"/>
               <a:t>Fifth level</a:t>
             </a:r>
-            <a:endParaRPr lang="fr-FR"/>
+            <a:endParaRPr lang="en-US" dirty="0"/>
           </a:p>
         </p:txBody>
       </p:sp>
@@ -1771,9 +1599,9 @@
           <a:bodyPr/>
           <a:lstStyle/>
           <a:p>
-            <a:fld id="{DABB6EC6-6789-4C8E-BEB3-6566763BD877}" type="datetimeFigureOut">
+            <a:fld id="{DEC9E097-1BB1-4072-8E9A-5D1E9C159281}" type="datetimeFigureOut">
               <a:rPr lang="fr-FR" smtClean="0"/>
-              <a:t>18/09/2015</a:t>
+              <a:t>25/09/2015</a:t>
             </a:fld>
             <a:endParaRPr lang="fr-FR"/>
           </a:p>
@@ -1813,7 +1641,7 @@
           <a:bodyPr/>
           <a:lstStyle/>
           <a:p>
-            <a:fld id="{4D9021E2-211A-4F2A-8B49-15D78AE34037}" type="slidenum">
+            <a:fld id="{4D729B03-894A-4950-A39E-A664397CD3C8}" type="slidenum">
               <a:rPr lang="fr-FR" smtClean="0"/>
               <a:t>‹#›</a:t>
             </a:fld>
@@ -1824,7 +1652,7 @@
     </p:spTree>
     <p:extLst>
       <p:ext uri="{BB962C8B-B14F-4D97-AF65-F5344CB8AC3E}">
-        <p14:creationId xmlns:p14="http://schemas.microsoft.com/office/powerpoint/2010/main" val="838464073"/>
+        <p14:creationId xmlns:p14="http://schemas.microsoft.com/office/powerpoint/2010/main" val="1517268565"/>
       </p:ext>
     </p:extLst>
   </p:cSld>
@@ -1870,7 +1698,7 @@
               <a:rPr lang="en-US" smtClean="0"/>
               <a:t>Click to edit Master title style</a:t>
             </a:r>
-            <a:endParaRPr lang="fr-FR"/>
+            <a:endParaRPr lang="en-US" dirty="0"/>
           </a:p>
         </p:txBody>
       </p:sp>
@@ -1889,9 +1717,9 @@
           <a:bodyPr/>
           <a:lstStyle/>
           <a:p>
-            <a:fld id="{DABB6EC6-6789-4C8E-BEB3-6566763BD877}" type="datetimeFigureOut">
+            <a:fld id="{DEC9E097-1BB1-4072-8E9A-5D1E9C159281}" type="datetimeFigureOut">
               <a:rPr lang="fr-FR" smtClean="0"/>
-              <a:t>18/09/2015</a:t>
+              <a:t>25/09/2015</a:t>
             </a:fld>
             <a:endParaRPr lang="fr-FR"/>
           </a:p>
@@ -1931,7 +1759,7 @@
           <a:bodyPr/>
           <a:lstStyle/>
           <a:p>
-            <a:fld id="{4D9021E2-211A-4F2A-8B49-15D78AE34037}" type="slidenum">
+            <a:fld id="{4D729B03-894A-4950-A39E-A664397CD3C8}" type="slidenum">
               <a:rPr lang="fr-FR" smtClean="0"/>
               <a:t>‹#›</a:t>
             </a:fld>
@@ -1942,7 +1770,7 @@
     </p:spTree>
     <p:extLst>
       <p:ext uri="{BB962C8B-B14F-4D97-AF65-F5344CB8AC3E}">
-        <p14:creationId xmlns:p14="http://schemas.microsoft.com/office/powerpoint/2010/main" val="1008230890"/>
+        <p14:creationId xmlns:p14="http://schemas.microsoft.com/office/powerpoint/2010/main" val="1317321605"/>
       </p:ext>
     </p:extLst>
   </p:cSld>
@@ -1984,9 +1812,9 @@
           <a:bodyPr/>
           <a:lstStyle/>
           <a:p>
-            <a:fld id="{DABB6EC6-6789-4C8E-BEB3-6566763BD877}" type="datetimeFigureOut">
+            <a:fld id="{DEC9E097-1BB1-4072-8E9A-5D1E9C159281}" type="datetimeFigureOut">
               <a:rPr lang="fr-FR" smtClean="0"/>
-              <a:t>18/09/2015</a:t>
+              <a:t>25/09/2015</a:t>
             </a:fld>
             <a:endParaRPr lang="fr-FR"/>
           </a:p>
@@ -2026,7 +1854,7 @@
           <a:bodyPr/>
           <a:lstStyle/>
           <a:p>
-            <a:fld id="{4D9021E2-211A-4F2A-8B49-15D78AE34037}" type="slidenum">
+            <a:fld id="{4D729B03-894A-4950-A39E-A664397CD3C8}" type="slidenum">
               <a:rPr lang="fr-FR" smtClean="0"/>
               <a:t>‹#›</a:t>
             </a:fld>
@@ -2037,7 +1865,7 @@
     </p:spTree>
     <p:extLst>
       <p:ext uri="{BB962C8B-B14F-4D97-AF65-F5344CB8AC3E}">
-        <p14:creationId xmlns:p14="http://schemas.microsoft.com/office/powerpoint/2010/main" val="2772990811"/>
+        <p14:creationId xmlns:p14="http://schemas.microsoft.com/office/powerpoint/2010/main" val="1369766155"/>
       </p:ext>
     </p:extLst>
   </p:cSld>
@@ -2076,15 +1904,15 @@
         </p:nvSpPr>
         <p:spPr>
           <a:xfrm>
-            <a:off x="342900" y="364067"/>
-            <a:ext cx="2256235" cy="1549400"/>
+            <a:off x="472381" y="609600"/>
+            <a:ext cx="2211884" cy="2133600"/>
           </a:xfrm>
         </p:spPr>
         <p:txBody>
           <a:bodyPr anchor="b"/>
           <a:lstStyle>
-            <a:lvl1pPr algn="l">
-              <a:defRPr sz="2000" b="1"/>
+            <a:lvl1pPr>
+              <a:defRPr sz="2400"/>
             </a:lvl1pPr>
           </a:lstStyle>
           <a:p>
@@ -2092,7 +1920,7 @@
               <a:rPr lang="en-US" smtClean="0"/>
               <a:t>Click to edit Master title style</a:t>
             </a:r>
-            <a:endParaRPr lang="fr-FR"/>
+            <a:endParaRPr lang="en-US" dirty="0"/>
           </a:p>
         </p:txBody>
       </p:sp>
@@ -2108,39 +1936,39 @@
         </p:nvSpPr>
         <p:spPr>
           <a:xfrm>
-            <a:off x="2681287" y="364067"/>
-            <a:ext cx="3833813" cy="7804151"/>
+            <a:off x="2915543" y="1316569"/>
+            <a:ext cx="3471863" cy="6498167"/>
           </a:xfrm>
         </p:spPr>
         <p:txBody>
           <a:bodyPr/>
           <a:lstStyle>
             <a:lvl1pPr>
-              <a:defRPr sz="3200"/>
+              <a:defRPr sz="2400"/>
             </a:lvl1pPr>
             <a:lvl2pPr>
-              <a:defRPr sz="2800"/>
+              <a:defRPr sz="2100"/>
             </a:lvl2pPr>
             <a:lvl3pPr>
-              <a:defRPr sz="2400"/>
+              <a:defRPr sz="1800"/>
             </a:lvl3pPr>
             <a:lvl4pPr>
-              <a:defRPr sz="2000"/>
+              <a:defRPr sz="1500"/>
             </a:lvl4pPr>
             <a:lvl5pPr>
-              <a:defRPr sz="2000"/>
+              <a:defRPr sz="1500"/>
             </a:lvl5pPr>
             <a:lvl6pPr>
-              <a:defRPr sz="2000"/>
+              <a:defRPr sz="1500"/>
             </a:lvl6pPr>
             <a:lvl7pPr>
-              <a:defRPr sz="2000"/>
+              <a:defRPr sz="1500"/>
             </a:lvl7pPr>
             <a:lvl8pPr>
-              <a:defRPr sz="2000"/>
+              <a:defRPr sz="1500"/>
             </a:lvl8pPr>
             <a:lvl9pPr>
-              <a:defRPr sz="2000"/>
+              <a:defRPr sz="1500"/>
             </a:lvl9pPr>
           </a:lstStyle>
           <a:p>
@@ -2177,7 +2005,7 @@
               <a:rPr lang="en-US" smtClean="0"/>
               <a:t>Fifth level</a:t>
             </a:r>
-            <a:endParaRPr lang="fr-FR"/>
+            <a:endParaRPr lang="en-US" dirty="0"/>
           </a:p>
         </p:txBody>
       </p:sp>
@@ -2193,8 +2021,8 @@
         </p:nvSpPr>
         <p:spPr>
           <a:xfrm>
-            <a:off x="342900" y="1913467"/>
-            <a:ext cx="2256235" cy="6254751"/>
+            <a:off x="472381" y="2743200"/>
+            <a:ext cx="2211884" cy="5082117"/>
           </a:xfrm>
         </p:spPr>
         <p:txBody>
@@ -2202,39 +2030,39 @@
           <a:lstStyle>
             <a:lvl1pPr marL="0" indent="0">
               <a:buNone/>
-              <a:defRPr sz="1400"/>
+              <a:defRPr sz="1200"/>
             </a:lvl1pPr>
-            <a:lvl2pPr marL="457200" indent="0">
-              <a:buNone/>
-              <a:defRPr sz="1200"/>
+            <a:lvl2pPr marL="342900" indent="0">
+              <a:buNone/>
+              <a:defRPr sz="1050"/>
             </a:lvl2pPr>
-            <a:lvl3pPr marL="914400" indent="0">
-              <a:buNone/>
-              <a:defRPr sz="1000"/>
+            <a:lvl3pPr marL="685800" indent="0">
+              <a:buNone/>
+              <a:defRPr sz="900"/>
             </a:lvl3pPr>
-            <a:lvl4pPr marL="1371600" indent="0">
-              <a:buNone/>
-              <a:defRPr sz="900"/>
+            <a:lvl4pPr marL="1028700" indent="0">
+              <a:buNone/>
+              <a:defRPr sz="750"/>
             </a:lvl4pPr>
-            <a:lvl5pPr marL="1828800" indent="0">
-              <a:buNone/>
-              <a:defRPr sz="900"/>
+            <a:lvl5pPr marL="1371600" indent="0">
+              <a:buNone/>
+              <a:defRPr sz="750"/>
             </a:lvl5pPr>
-            <a:lvl6pPr marL="2286000" indent="0">
-              <a:buNone/>
-              <a:defRPr sz="900"/>
+            <a:lvl6pPr marL="1714500" indent="0">
+              <a:buNone/>
+              <a:defRPr sz="750"/>
             </a:lvl6pPr>
-            <a:lvl7pPr marL="2743200" indent="0">
-              <a:buNone/>
-              <a:defRPr sz="900"/>
+            <a:lvl7pPr marL="2057400" indent="0">
+              <a:buNone/>
+              <a:defRPr sz="750"/>
             </a:lvl7pPr>
-            <a:lvl8pPr marL="3200400" indent="0">
-              <a:buNone/>
-              <a:defRPr sz="900"/>
+            <a:lvl8pPr marL="2400300" indent="0">
+              <a:buNone/>
+              <a:defRPr sz="750"/>
             </a:lvl8pPr>
-            <a:lvl9pPr marL="3657600" indent="0">
-              <a:buNone/>
-              <a:defRPr sz="900"/>
+            <a:lvl9pPr marL="2743200" indent="0">
+              <a:buNone/>
+              <a:defRPr sz="750"/>
             </a:lvl9pPr>
           </a:lstStyle>
           <a:p>
@@ -2261,9 +2089,9 @@
           <a:bodyPr/>
           <a:lstStyle/>
           <a:p>
-            <a:fld id="{DABB6EC6-6789-4C8E-BEB3-6566763BD877}" type="datetimeFigureOut">
+            <a:fld id="{DEC9E097-1BB1-4072-8E9A-5D1E9C159281}" type="datetimeFigureOut">
               <a:rPr lang="fr-FR" smtClean="0"/>
-              <a:t>18/09/2015</a:t>
+              <a:t>25/09/2015</a:t>
             </a:fld>
             <a:endParaRPr lang="fr-FR"/>
           </a:p>
@@ -2303,7 +2131,7 @@
           <a:bodyPr/>
           <a:lstStyle/>
           <a:p>
-            <a:fld id="{4D9021E2-211A-4F2A-8B49-15D78AE34037}" type="slidenum">
+            <a:fld id="{4D729B03-894A-4950-A39E-A664397CD3C8}" type="slidenum">
               <a:rPr lang="fr-FR" smtClean="0"/>
               <a:t>‹#›</a:t>
             </a:fld>
@@ -2314,7 +2142,7 @@
     </p:spTree>
     <p:extLst>
       <p:ext uri="{BB962C8B-B14F-4D97-AF65-F5344CB8AC3E}">
-        <p14:creationId xmlns:p14="http://schemas.microsoft.com/office/powerpoint/2010/main" val="3584329612"/>
+        <p14:creationId xmlns:p14="http://schemas.microsoft.com/office/powerpoint/2010/main" val="3698221899"/>
       </p:ext>
     </p:extLst>
   </p:cSld>
@@ -2353,15 +2181,15 @@
         </p:nvSpPr>
         <p:spPr>
           <a:xfrm>
-            <a:off x="1344216" y="6400800"/>
-            <a:ext cx="4114800" cy="755651"/>
+            <a:off x="472381" y="609600"/>
+            <a:ext cx="2211884" cy="2133600"/>
           </a:xfrm>
         </p:spPr>
         <p:txBody>
           <a:bodyPr anchor="b"/>
           <a:lstStyle>
-            <a:lvl1pPr algn="l">
-              <a:defRPr sz="2000" b="1"/>
+            <a:lvl1pPr>
+              <a:defRPr sz="2400"/>
             </a:lvl1pPr>
           </a:lstStyle>
           <a:p>
@@ -2369,7 +2197,7 @@
               <a:rPr lang="en-US" smtClean="0"/>
               <a:t>Click to edit Master title style</a:t>
             </a:r>
-            <a:endParaRPr lang="fr-FR"/>
+            <a:endParaRPr lang="en-US" dirty="0"/>
           </a:p>
         </p:txBody>
       </p:sp>
@@ -2377,7 +2205,7 @@
         <p:nvSpPr>
           <p:cNvPr id="3" name="Picture Placeholder 2"/>
           <p:cNvSpPr>
-            <a:spLocks noGrp="1"/>
+            <a:spLocks noGrp="1" noChangeAspect="1"/>
           </p:cNvSpPr>
           <p:nvPr>
             <p:ph type="pic" idx="1"/>
@@ -2385,52 +2213,56 @@
         </p:nvSpPr>
         <p:spPr>
           <a:xfrm>
-            <a:off x="1344216" y="817033"/>
-            <a:ext cx="4114800" cy="5486400"/>
+            <a:off x="2915543" y="1316569"/>
+            <a:ext cx="3471863" cy="6498167"/>
           </a:xfrm>
         </p:spPr>
         <p:txBody>
-          <a:bodyPr/>
+          <a:bodyPr anchor="t"/>
           <a:lstStyle>
             <a:lvl1pPr marL="0" indent="0">
               <a:buNone/>
-              <a:defRPr sz="3200"/>
+              <a:defRPr sz="2400"/>
             </a:lvl1pPr>
-            <a:lvl2pPr marL="457200" indent="0">
-              <a:buNone/>
-              <a:defRPr sz="2800"/>
+            <a:lvl2pPr marL="342900" indent="0">
+              <a:buNone/>
+              <a:defRPr sz="2100"/>
             </a:lvl2pPr>
-            <a:lvl3pPr marL="914400" indent="0">
-              <a:buNone/>
-              <a:defRPr sz="2400"/>
+            <a:lvl3pPr marL="685800" indent="0">
+              <a:buNone/>
+              <a:defRPr sz="1800"/>
             </a:lvl3pPr>
-            <a:lvl4pPr marL="1371600" indent="0">
-              <a:buNone/>
-              <a:defRPr sz="2000"/>
+            <a:lvl4pPr marL="1028700" indent="0">
+              <a:buNone/>
+              <a:defRPr sz="1500"/>
             </a:lvl4pPr>
-            <a:lvl5pPr marL="1828800" indent="0">
-              <a:buNone/>
-              <a:defRPr sz="2000"/>
+            <a:lvl5pPr marL="1371600" indent="0">
+              <a:buNone/>
+              <a:defRPr sz="1500"/>
             </a:lvl5pPr>
-            <a:lvl6pPr marL="2286000" indent="0">
-              <a:buNone/>
-              <a:defRPr sz="2000"/>
+            <a:lvl6pPr marL="1714500" indent="0">
+              <a:buNone/>
+              <a:defRPr sz="1500"/>
             </a:lvl6pPr>
-            <a:lvl7pPr marL="2743200" indent="0">
-              <a:buNone/>
-              <a:defRPr sz="2000"/>
+            <a:lvl7pPr marL="2057400" indent="0">
+              <a:buNone/>
+              <a:defRPr sz="1500"/>
             </a:lvl7pPr>
-            <a:lvl8pPr marL="3200400" indent="0">
-              <a:buNone/>
-              <a:defRPr sz="2000"/>
+            <a:lvl8pPr marL="2400300" indent="0">
+              <a:buNone/>
+              <a:defRPr sz="1500"/>
             </a:lvl8pPr>
-            <a:lvl9pPr marL="3657600" indent="0">
-              <a:buNone/>
-              <a:defRPr sz="2000"/>
+            <a:lvl9pPr marL="2743200" indent="0">
+              <a:buNone/>
+              <a:defRPr sz="1500"/>
             </a:lvl9pPr>
           </a:lstStyle>
           <a:p>
-            <a:endParaRPr lang="fr-FR"/>
+            <a:r>
+              <a:rPr lang="en-US" smtClean="0"/>
+              <a:t>Click icon to add picture</a:t>
+            </a:r>
+            <a:endParaRPr lang="en-US" dirty="0"/>
           </a:p>
         </p:txBody>
       </p:sp>
@@ -2446,8 +2278,8 @@
         </p:nvSpPr>
         <p:spPr>
           <a:xfrm>
-            <a:off x="1344216" y="7156451"/>
-            <a:ext cx="4114800" cy="1073149"/>
+            <a:off x="472381" y="2743200"/>
+            <a:ext cx="2211884" cy="5082117"/>
           </a:xfrm>
         </p:spPr>
         <p:txBody>
@@ -2455,39 +2287,39 @@
           <a:lstStyle>
             <a:lvl1pPr marL="0" indent="0">
               <a:buNone/>
-              <a:defRPr sz="1400"/>
+              <a:defRPr sz="1200"/>
             </a:lvl1pPr>
-            <a:lvl2pPr marL="457200" indent="0">
-              <a:buNone/>
-              <a:defRPr sz="1200"/>
+            <a:lvl2pPr marL="342900" indent="0">
+              <a:buNone/>
+              <a:defRPr sz="1050"/>
             </a:lvl2pPr>
-            <a:lvl3pPr marL="914400" indent="0">
-              <a:buNone/>
-              <a:defRPr sz="1000"/>
+            <a:lvl3pPr marL="685800" indent="0">
+              <a:buNone/>
+              <a:defRPr sz="900"/>
             </a:lvl3pPr>
-            <a:lvl4pPr marL="1371600" indent="0">
-              <a:buNone/>
-              <a:defRPr sz="900"/>
+            <a:lvl4pPr marL="1028700" indent="0">
+              <a:buNone/>
+              <a:defRPr sz="750"/>
             </a:lvl4pPr>
-            <a:lvl5pPr marL="1828800" indent="0">
-              <a:buNone/>
-              <a:defRPr sz="900"/>
+            <a:lvl5pPr marL="1371600" indent="0">
+              <a:buNone/>
+              <a:defRPr sz="750"/>
             </a:lvl5pPr>
-            <a:lvl6pPr marL="2286000" indent="0">
-              <a:buNone/>
-              <a:defRPr sz="900"/>
+            <a:lvl6pPr marL="1714500" indent="0">
+              <a:buNone/>
+              <a:defRPr sz="750"/>
             </a:lvl6pPr>
-            <a:lvl7pPr marL="2743200" indent="0">
-              <a:buNone/>
-              <a:defRPr sz="900"/>
+            <a:lvl7pPr marL="2057400" indent="0">
+              <a:buNone/>
+              <a:defRPr sz="750"/>
             </a:lvl7pPr>
-            <a:lvl8pPr marL="3200400" indent="0">
-              <a:buNone/>
-              <a:defRPr sz="900"/>
+            <a:lvl8pPr marL="2400300" indent="0">
+              <a:buNone/>
+              <a:defRPr sz="750"/>
             </a:lvl8pPr>
-            <a:lvl9pPr marL="3657600" indent="0">
-              <a:buNone/>
-              <a:defRPr sz="900"/>
+            <a:lvl9pPr marL="2743200" indent="0">
+              <a:buNone/>
+              <a:defRPr sz="750"/>
             </a:lvl9pPr>
           </a:lstStyle>
           <a:p>
@@ -2514,9 +2346,9 @@
           <a:bodyPr/>
           <a:lstStyle/>
           <a:p>
-            <a:fld id="{DABB6EC6-6789-4C8E-BEB3-6566763BD877}" type="datetimeFigureOut">
+            <a:fld id="{DEC9E097-1BB1-4072-8E9A-5D1E9C159281}" type="datetimeFigureOut">
               <a:rPr lang="fr-FR" smtClean="0"/>
-              <a:t>18/09/2015</a:t>
+              <a:t>25/09/2015</a:t>
             </a:fld>
             <a:endParaRPr lang="fr-FR"/>
           </a:p>
@@ -2556,7 +2388,7 @@
           <a:bodyPr/>
           <a:lstStyle/>
           <a:p>
-            <a:fld id="{4D9021E2-211A-4F2A-8B49-15D78AE34037}" type="slidenum">
+            <a:fld id="{4D729B03-894A-4950-A39E-A664397CD3C8}" type="slidenum">
               <a:rPr lang="fr-FR" smtClean="0"/>
               <a:t>‹#›</a:t>
             </a:fld>
@@ -2567,7 +2399,7 @@
     </p:spTree>
     <p:extLst>
       <p:ext uri="{BB962C8B-B14F-4D97-AF65-F5344CB8AC3E}">
-        <p14:creationId xmlns:p14="http://schemas.microsoft.com/office/powerpoint/2010/main" val="442213048"/>
+        <p14:creationId xmlns:p14="http://schemas.microsoft.com/office/powerpoint/2010/main" val="2511499992"/>
       </p:ext>
     </p:extLst>
   </p:cSld>
@@ -2611,8 +2443,8 @@
         </p:nvSpPr>
         <p:spPr>
           <a:xfrm>
-            <a:off x="342900" y="366184"/>
-            <a:ext cx="6172200" cy="1524000"/>
+            <a:off x="471488" y="486836"/>
+            <a:ext cx="5915025" cy="1767417"/>
           </a:xfrm>
           <a:prstGeom prst="rect">
             <a:avLst/>
@@ -2628,7 +2460,7 @@
               <a:rPr lang="en-US" smtClean="0"/>
               <a:t>Click to edit Master title style</a:t>
             </a:r>
-            <a:endParaRPr lang="fr-FR"/>
+            <a:endParaRPr lang="en-US" dirty="0"/>
           </a:p>
         </p:txBody>
       </p:sp>
@@ -2644,8 +2476,8 @@
         </p:nvSpPr>
         <p:spPr>
           <a:xfrm>
-            <a:off x="342900" y="2133601"/>
-            <a:ext cx="6172200" cy="6034617"/>
+            <a:off x="471488" y="2434167"/>
+            <a:ext cx="5915025" cy="5801784"/>
           </a:xfrm>
           <a:prstGeom prst="rect">
             <a:avLst/>
@@ -2690,7 +2522,7 @@
               <a:rPr lang="en-US" smtClean="0"/>
               <a:t>Fifth level</a:t>
             </a:r>
-            <a:endParaRPr lang="fr-FR"/>
+            <a:endParaRPr lang="en-US" dirty="0"/>
           </a:p>
         </p:txBody>
       </p:sp>
@@ -2706,8 +2538,8 @@
         </p:nvSpPr>
         <p:spPr>
           <a:xfrm>
-            <a:off x="342900" y="8475134"/>
-            <a:ext cx="1600200" cy="486833"/>
+            <a:off x="471488" y="8475136"/>
+            <a:ext cx="1543050" cy="486833"/>
           </a:xfrm>
           <a:prstGeom prst="rect">
             <a:avLst/>
@@ -2717,7 +2549,7 @@
           <a:bodyPr vert="horz" lIns="91440" tIns="45720" rIns="91440" bIns="45720" rtlCol="0" anchor="ctr"/>
           <a:lstStyle>
             <a:lvl1pPr algn="l">
-              <a:defRPr sz="1200">
+              <a:defRPr sz="900">
                 <a:solidFill>
                   <a:schemeClr val="tx1">
                     <a:tint val="75000"/>
@@ -2727,9 +2559,9 @@
             </a:lvl1pPr>
           </a:lstStyle>
           <a:p>
-            <a:fld id="{DABB6EC6-6789-4C8E-BEB3-6566763BD877}" type="datetimeFigureOut">
+            <a:fld id="{DEC9E097-1BB1-4072-8E9A-5D1E9C159281}" type="datetimeFigureOut">
               <a:rPr lang="fr-FR" smtClean="0"/>
-              <a:t>18/09/2015</a:t>
+              <a:t>25/09/2015</a:t>
             </a:fld>
             <a:endParaRPr lang="fr-FR"/>
           </a:p>
@@ -2747,8 +2579,8 @@
         </p:nvSpPr>
         <p:spPr>
           <a:xfrm>
-            <a:off x="2343150" y="8475134"/>
-            <a:ext cx="2171700" cy="486833"/>
+            <a:off x="2271713" y="8475136"/>
+            <a:ext cx="2314575" cy="486833"/>
           </a:xfrm>
           <a:prstGeom prst="rect">
             <a:avLst/>
@@ -2758,7 +2590,7 @@
           <a:bodyPr vert="horz" lIns="91440" tIns="45720" rIns="91440" bIns="45720" rtlCol="0" anchor="ctr"/>
           <a:lstStyle>
             <a:lvl1pPr algn="ctr">
-              <a:defRPr sz="1200">
+              <a:defRPr sz="900">
                 <a:solidFill>
                   <a:schemeClr val="tx1">
                     <a:tint val="75000"/>
@@ -2784,8 +2616,8 @@
         </p:nvSpPr>
         <p:spPr>
           <a:xfrm>
-            <a:off x="4914900" y="8475134"/>
-            <a:ext cx="1600200" cy="486833"/>
+            <a:off x="4843463" y="8475136"/>
+            <a:ext cx="1543050" cy="486833"/>
           </a:xfrm>
           <a:prstGeom prst="rect">
             <a:avLst/>
@@ -2795,7 +2627,7 @@
           <a:bodyPr vert="horz" lIns="91440" tIns="45720" rIns="91440" bIns="45720" rtlCol="0" anchor="ctr"/>
           <a:lstStyle>
             <a:lvl1pPr algn="r">
-              <a:defRPr sz="1200">
+              <a:defRPr sz="900">
                 <a:solidFill>
                   <a:schemeClr val="tx1">
                     <a:tint val="75000"/>
@@ -2805,7 +2637,7 @@
             </a:lvl1pPr>
           </a:lstStyle>
           <a:p>
-            <a:fld id="{4D9021E2-211A-4F2A-8B49-15D78AE34037}" type="slidenum">
+            <a:fld id="{4D729B03-894A-4950-A39E-A664397CD3C8}" type="slidenum">
               <a:rPr lang="fr-FR" smtClean="0"/>
               <a:t>‹#›</a:t>
             </a:fld>
@@ -2816,32 +2648,35 @@
     </p:spTree>
     <p:extLst>
       <p:ext uri="{BB962C8B-B14F-4D97-AF65-F5344CB8AC3E}">
-        <p14:creationId xmlns:p14="http://schemas.microsoft.com/office/powerpoint/2010/main" val="3865479328"/>
+        <p14:creationId xmlns:p14="http://schemas.microsoft.com/office/powerpoint/2010/main" val="1319691916"/>
       </p:ext>
     </p:extLst>
   </p:cSld>
   <p:clrMap bg1="lt1" tx1="dk1" bg2="lt2" tx2="dk2" accent1="accent1" accent2="accent2" accent3="accent3" accent4="accent4" accent5="accent5" accent6="accent6" hlink="hlink" folHlink="folHlink"/>
   <p:sldLayoutIdLst>
-    <p:sldLayoutId id="2147483649" r:id="rId1"/>
-    <p:sldLayoutId id="2147483650" r:id="rId2"/>
-    <p:sldLayoutId id="2147483651" r:id="rId3"/>
-    <p:sldLayoutId id="2147483652" r:id="rId4"/>
-    <p:sldLayoutId id="2147483653" r:id="rId5"/>
-    <p:sldLayoutId id="2147483654" r:id="rId6"/>
-    <p:sldLayoutId id="2147483655" r:id="rId7"/>
-    <p:sldLayoutId id="2147483656" r:id="rId8"/>
-    <p:sldLayoutId id="2147483657" r:id="rId9"/>
-    <p:sldLayoutId id="2147483658" r:id="rId10"/>
-    <p:sldLayoutId id="2147483659" r:id="rId11"/>
+    <p:sldLayoutId id="2147483697" r:id="rId1"/>
+    <p:sldLayoutId id="2147483698" r:id="rId2"/>
+    <p:sldLayoutId id="2147483699" r:id="rId3"/>
+    <p:sldLayoutId id="2147483700" r:id="rId4"/>
+    <p:sldLayoutId id="2147483701" r:id="rId5"/>
+    <p:sldLayoutId id="2147483702" r:id="rId6"/>
+    <p:sldLayoutId id="2147483703" r:id="rId7"/>
+    <p:sldLayoutId id="2147483704" r:id="rId8"/>
+    <p:sldLayoutId id="2147483705" r:id="rId9"/>
+    <p:sldLayoutId id="2147483706" r:id="rId10"/>
+    <p:sldLayoutId id="2147483707" r:id="rId11"/>
   </p:sldLayoutIdLst>
   <p:txStyles>
     <p:titleStyle>
-      <a:lvl1pPr algn="ctr" defTabSz="914400" rtl="0" eaLnBrk="1" latinLnBrk="0" hangingPunct="1">
+      <a:lvl1pPr algn="l" defTabSz="685800" rtl="0" eaLnBrk="1" latinLnBrk="0" hangingPunct="1">
+        <a:lnSpc>
+          <a:spcPct val="90000"/>
+        </a:lnSpc>
         <a:spcBef>
           <a:spcPct val="0"/>
         </a:spcBef>
         <a:buNone/>
-        <a:defRPr sz="4400" kern="1200">
+        <a:defRPr sz="3300" kern="1200">
           <a:solidFill>
             <a:schemeClr val="tx1"/>
           </a:solidFill>
@@ -2852,13 +2687,16 @@
       </a:lvl1pPr>
     </p:titleStyle>
     <p:bodyStyle>
-      <a:lvl1pPr marL="342900" indent="-342900" algn="l" defTabSz="914400" rtl="0" eaLnBrk="1" latinLnBrk="0" hangingPunct="1">
+      <a:lvl1pPr marL="171450" indent="-171450" algn="l" defTabSz="685800" rtl="0" eaLnBrk="1" latinLnBrk="0" hangingPunct="1">
+        <a:lnSpc>
+          <a:spcPct val="90000"/>
+        </a:lnSpc>
         <a:spcBef>
-          <a:spcPct val="20000"/>
+          <a:spcPts val="750"/>
         </a:spcBef>
         <a:buFont typeface="Arial" panose="020B0604020202020204" pitchFamily="34" charset="0"/>
         <a:buChar char="•"/>
-        <a:defRPr sz="3200" kern="1200">
+        <a:defRPr sz="2100" kern="1200">
           <a:solidFill>
             <a:schemeClr val="tx1"/>
           </a:solidFill>
@@ -2867,13 +2705,16 @@
           <a:cs typeface="+mn-cs"/>
         </a:defRPr>
       </a:lvl1pPr>
-      <a:lvl2pPr marL="742950" indent="-285750" algn="l" defTabSz="914400" rtl="0" eaLnBrk="1" latinLnBrk="0" hangingPunct="1">
+      <a:lvl2pPr marL="514350" indent="-171450" algn="l" defTabSz="685800" rtl="0" eaLnBrk="1" latinLnBrk="0" hangingPunct="1">
+        <a:lnSpc>
+          <a:spcPct val="90000"/>
+        </a:lnSpc>
         <a:spcBef>
-          <a:spcPct val="20000"/>
+          <a:spcPts val="375"/>
         </a:spcBef>
         <a:buFont typeface="Arial" panose="020B0604020202020204" pitchFamily="34" charset="0"/>
-        <a:buChar char="–"/>
-        <a:defRPr sz="2800" kern="1200">
+        <a:buChar char="•"/>
+        <a:defRPr sz="1800" kern="1200">
           <a:solidFill>
             <a:schemeClr val="tx1"/>
           </a:solidFill>
@@ -2882,13 +2723,16 @@
           <a:cs typeface="+mn-cs"/>
         </a:defRPr>
       </a:lvl2pPr>
-      <a:lvl3pPr marL="1143000" indent="-228600" algn="l" defTabSz="914400" rtl="0" eaLnBrk="1" latinLnBrk="0" hangingPunct="1">
+      <a:lvl3pPr marL="857250" indent="-171450" algn="l" defTabSz="685800" rtl="0" eaLnBrk="1" latinLnBrk="0" hangingPunct="1">
+        <a:lnSpc>
+          <a:spcPct val="90000"/>
+        </a:lnSpc>
         <a:spcBef>
-          <a:spcPct val="20000"/>
+          <a:spcPts val="375"/>
         </a:spcBef>
         <a:buFont typeface="Arial" panose="020B0604020202020204" pitchFamily="34" charset="0"/>
         <a:buChar char="•"/>
-        <a:defRPr sz="2400" kern="1200">
+        <a:defRPr sz="1500" kern="1200">
           <a:solidFill>
             <a:schemeClr val="tx1"/>
           </a:solidFill>
@@ -2897,13 +2741,16 @@
           <a:cs typeface="+mn-cs"/>
         </a:defRPr>
       </a:lvl3pPr>
-      <a:lvl4pPr marL="1600200" indent="-228600" algn="l" defTabSz="914400" rtl="0" eaLnBrk="1" latinLnBrk="0" hangingPunct="1">
+      <a:lvl4pPr marL="1200150" indent="-171450" algn="l" defTabSz="685800" rtl="0" eaLnBrk="1" latinLnBrk="0" hangingPunct="1">
+        <a:lnSpc>
+          <a:spcPct val="90000"/>
+        </a:lnSpc>
         <a:spcBef>
-          <a:spcPct val="20000"/>
+          <a:spcPts val="375"/>
         </a:spcBef>
         <a:buFont typeface="Arial" panose="020B0604020202020204" pitchFamily="34" charset="0"/>
-        <a:buChar char="–"/>
-        <a:defRPr sz="2000" kern="1200">
+        <a:buChar char="•"/>
+        <a:defRPr sz="1350" kern="1200">
           <a:solidFill>
             <a:schemeClr val="tx1"/>
           </a:solidFill>
@@ -2912,13 +2759,16 @@
           <a:cs typeface="+mn-cs"/>
         </a:defRPr>
       </a:lvl4pPr>
-      <a:lvl5pPr marL="2057400" indent="-228600" algn="l" defTabSz="914400" rtl="0" eaLnBrk="1" latinLnBrk="0" hangingPunct="1">
+      <a:lvl5pPr marL="1543050" indent="-171450" algn="l" defTabSz="685800" rtl="0" eaLnBrk="1" latinLnBrk="0" hangingPunct="1">
+        <a:lnSpc>
+          <a:spcPct val="90000"/>
+        </a:lnSpc>
         <a:spcBef>
-          <a:spcPct val="20000"/>
+          <a:spcPts val="375"/>
         </a:spcBef>
         <a:buFont typeface="Arial" panose="020B0604020202020204" pitchFamily="34" charset="0"/>
-        <a:buChar char="»"/>
-        <a:defRPr sz="2000" kern="1200">
+        <a:buChar char="•"/>
+        <a:defRPr sz="1350" kern="1200">
           <a:solidFill>
             <a:schemeClr val="tx1"/>
           </a:solidFill>
@@ -2927,13 +2777,16 @@
           <a:cs typeface="+mn-cs"/>
         </a:defRPr>
       </a:lvl5pPr>
-      <a:lvl6pPr marL="2514600" indent="-228600" algn="l" defTabSz="914400" rtl="0" eaLnBrk="1" latinLnBrk="0" hangingPunct="1">
+      <a:lvl6pPr marL="1885950" indent="-171450" algn="l" defTabSz="685800" rtl="0" eaLnBrk="1" latinLnBrk="0" hangingPunct="1">
+        <a:lnSpc>
+          <a:spcPct val="90000"/>
+        </a:lnSpc>
         <a:spcBef>
-          <a:spcPct val="20000"/>
+          <a:spcPts val="375"/>
         </a:spcBef>
         <a:buFont typeface="Arial" panose="020B0604020202020204" pitchFamily="34" charset="0"/>
         <a:buChar char="•"/>
-        <a:defRPr sz="2000" kern="1200">
+        <a:defRPr sz="1350" kern="1200">
           <a:solidFill>
             <a:schemeClr val="tx1"/>
           </a:solidFill>
@@ -2942,13 +2795,16 @@
           <a:cs typeface="+mn-cs"/>
         </a:defRPr>
       </a:lvl6pPr>
-      <a:lvl7pPr marL="2971800" indent="-228600" algn="l" defTabSz="914400" rtl="0" eaLnBrk="1" latinLnBrk="0" hangingPunct="1">
+      <a:lvl7pPr marL="2228850" indent="-171450" algn="l" defTabSz="685800" rtl="0" eaLnBrk="1" latinLnBrk="0" hangingPunct="1">
+        <a:lnSpc>
+          <a:spcPct val="90000"/>
+        </a:lnSpc>
         <a:spcBef>
-          <a:spcPct val="20000"/>
+          <a:spcPts val="375"/>
         </a:spcBef>
         <a:buFont typeface="Arial" panose="020B0604020202020204" pitchFamily="34" charset="0"/>
         <a:buChar char="•"/>
-        <a:defRPr sz="2000" kern="1200">
+        <a:defRPr sz="1350" kern="1200">
           <a:solidFill>
             <a:schemeClr val="tx1"/>
           </a:solidFill>
@@ -2957,13 +2813,16 @@
           <a:cs typeface="+mn-cs"/>
         </a:defRPr>
       </a:lvl7pPr>
-      <a:lvl8pPr marL="3429000" indent="-228600" algn="l" defTabSz="914400" rtl="0" eaLnBrk="1" latinLnBrk="0" hangingPunct="1">
+      <a:lvl8pPr marL="2571750" indent="-171450" algn="l" defTabSz="685800" rtl="0" eaLnBrk="1" latinLnBrk="0" hangingPunct="1">
+        <a:lnSpc>
+          <a:spcPct val="90000"/>
+        </a:lnSpc>
         <a:spcBef>
-          <a:spcPct val="20000"/>
+          <a:spcPts val="375"/>
         </a:spcBef>
         <a:buFont typeface="Arial" panose="020B0604020202020204" pitchFamily="34" charset="0"/>
         <a:buChar char="•"/>
-        <a:defRPr sz="2000" kern="1200">
+        <a:defRPr sz="1350" kern="1200">
           <a:solidFill>
             <a:schemeClr val="tx1"/>
           </a:solidFill>
@@ -2972,13 +2831,16 @@
           <a:cs typeface="+mn-cs"/>
         </a:defRPr>
       </a:lvl8pPr>
-      <a:lvl9pPr marL="3886200" indent="-228600" algn="l" defTabSz="914400" rtl="0" eaLnBrk="1" latinLnBrk="0" hangingPunct="1">
+      <a:lvl9pPr marL="2914650" indent="-171450" algn="l" defTabSz="685800" rtl="0" eaLnBrk="1" latinLnBrk="0" hangingPunct="1">
+        <a:lnSpc>
+          <a:spcPct val="90000"/>
+        </a:lnSpc>
         <a:spcBef>
-          <a:spcPct val="20000"/>
+          <a:spcPts val="375"/>
         </a:spcBef>
         <a:buFont typeface="Arial" panose="020B0604020202020204" pitchFamily="34" charset="0"/>
         <a:buChar char="•"/>
-        <a:defRPr sz="2000" kern="1200">
+        <a:defRPr sz="1350" kern="1200">
           <a:solidFill>
             <a:schemeClr val="tx1"/>
           </a:solidFill>
@@ -2990,10 +2852,10 @@
     </p:bodyStyle>
     <p:otherStyle>
       <a:defPPr>
-        <a:defRPr lang="fr-FR"/>
+        <a:defRPr lang="en-US"/>
       </a:defPPr>
-      <a:lvl1pPr marL="0" algn="l" defTabSz="914400" rtl="0" eaLnBrk="1" latinLnBrk="0" hangingPunct="1">
-        <a:defRPr sz="1800" kern="1200">
+      <a:lvl1pPr marL="0" algn="l" defTabSz="685800" rtl="0" eaLnBrk="1" latinLnBrk="0" hangingPunct="1">
+        <a:defRPr sz="1350" kern="1200">
           <a:solidFill>
             <a:schemeClr val="tx1"/>
           </a:solidFill>
@@ -3002,8 +2864,8 @@
           <a:cs typeface="+mn-cs"/>
         </a:defRPr>
       </a:lvl1pPr>
-      <a:lvl2pPr marL="457200" algn="l" defTabSz="914400" rtl="0" eaLnBrk="1" latinLnBrk="0" hangingPunct="1">
-        <a:defRPr sz="1800" kern="1200">
+      <a:lvl2pPr marL="342900" algn="l" defTabSz="685800" rtl="0" eaLnBrk="1" latinLnBrk="0" hangingPunct="1">
+        <a:defRPr sz="1350" kern="1200">
           <a:solidFill>
             <a:schemeClr val="tx1"/>
           </a:solidFill>
@@ -3012,8 +2874,8 @@
           <a:cs typeface="+mn-cs"/>
         </a:defRPr>
       </a:lvl2pPr>
-      <a:lvl3pPr marL="914400" algn="l" defTabSz="914400" rtl="0" eaLnBrk="1" latinLnBrk="0" hangingPunct="1">
-        <a:defRPr sz="1800" kern="1200">
+      <a:lvl3pPr marL="685800" algn="l" defTabSz="685800" rtl="0" eaLnBrk="1" latinLnBrk="0" hangingPunct="1">
+        <a:defRPr sz="1350" kern="1200">
           <a:solidFill>
             <a:schemeClr val="tx1"/>
           </a:solidFill>
@@ -3022,8 +2884,8 @@
           <a:cs typeface="+mn-cs"/>
         </a:defRPr>
       </a:lvl3pPr>
-      <a:lvl4pPr marL="1371600" algn="l" defTabSz="914400" rtl="0" eaLnBrk="1" latinLnBrk="0" hangingPunct="1">
-        <a:defRPr sz="1800" kern="1200">
+      <a:lvl4pPr marL="1028700" algn="l" defTabSz="685800" rtl="0" eaLnBrk="1" latinLnBrk="0" hangingPunct="1">
+        <a:defRPr sz="1350" kern="1200">
           <a:solidFill>
             <a:schemeClr val="tx1"/>
           </a:solidFill>
@@ -3032,8 +2894,8 @@
           <a:cs typeface="+mn-cs"/>
         </a:defRPr>
       </a:lvl4pPr>
-      <a:lvl5pPr marL="1828800" algn="l" defTabSz="914400" rtl="0" eaLnBrk="1" latinLnBrk="0" hangingPunct="1">
-        <a:defRPr sz="1800" kern="1200">
+      <a:lvl5pPr marL="1371600" algn="l" defTabSz="685800" rtl="0" eaLnBrk="1" latinLnBrk="0" hangingPunct="1">
+        <a:defRPr sz="1350" kern="1200">
           <a:solidFill>
             <a:schemeClr val="tx1"/>
           </a:solidFill>
@@ -3042,8 +2904,8 @@
           <a:cs typeface="+mn-cs"/>
         </a:defRPr>
       </a:lvl5pPr>
-      <a:lvl6pPr marL="2286000" algn="l" defTabSz="914400" rtl="0" eaLnBrk="1" latinLnBrk="0" hangingPunct="1">
-        <a:defRPr sz="1800" kern="1200">
+      <a:lvl6pPr marL="1714500" algn="l" defTabSz="685800" rtl="0" eaLnBrk="1" latinLnBrk="0" hangingPunct="1">
+        <a:defRPr sz="1350" kern="1200">
           <a:solidFill>
             <a:schemeClr val="tx1"/>
           </a:solidFill>
@@ -3052,8 +2914,8 @@
           <a:cs typeface="+mn-cs"/>
         </a:defRPr>
       </a:lvl6pPr>
-      <a:lvl7pPr marL="2743200" algn="l" defTabSz="914400" rtl="0" eaLnBrk="1" latinLnBrk="0" hangingPunct="1">
-        <a:defRPr sz="1800" kern="1200">
+      <a:lvl7pPr marL="2057400" algn="l" defTabSz="685800" rtl="0" eaLnBrk="1" latinLnBrk="0" hangingPunct="1">
+        <a:defRPr sz="1350" kern="1200">
           <a:solidFill>
             <a:schemeClr val="tx1"/>
           </a:solidFill>
@@ -3062,8 +2924,8 @@
           <a:cs typeface="+mn-cs"/>
         </a:defRPr>
       </a:lvl7pPr>
-      <a:lvl8pPr marL="3200400" algn="l" defTabSz="914400" rtl="0" eaLnBrk="1" latinLnBrk="0" hangingPunct="1">
-        <a:defRPr sz="1800" kern="1200">
+      <a:lvl8pPr marL="2400300" algn="l" defTabSz="685800" rtl="0" eaLnBrk="1" latinLnBrk="0" hangingPunct="1">
+        <a:defRPr sz="1350" kern="1200">
           <a:solidFill>
             <a:schemeClr val="tx1"/>
           </a:solidFill>
@@ -3072,8 +2934,8 @@
           <a:cs typeface="+mn-cs"/>
         </a:defRPr>
       </a:lvl8pPr>
-      <a:lvl9pPr marL="3657600" algn="l" defTabSz="914400" rtl="0" eaLnBrk="1" latinLnBrk="0" hangingPunct="1">
-        <a:defRPr sz="1800" kern="1200">
+      <a:lvl9pPr marL="2743200" algn="l" defTabSz="685800" rtl="0" eaLnBrk="1" latinLnBrk="0" hangingPunct="1">
+        <a:defRPr sz="1350" kern="1200">
           <a:solidFill>
             <a:schemeClr val="tx1"/>
           </a:solidFill>
@@ -3106,14 +2968,102 @@
       </p:grpSpPr>
       <p:sp>
         <p:nvSpPr>
-          <p:cNvPr id="4" name="Rectangle 3"/>
-          <p:cNvSpPr/>
-          <p:nvPr/>
+          <p:cNvPr id="2" name="Title 1"/>
+          <p:cNvSpPr>
+            <a:spLocks noGrp="1"/>
+          </p:cNvSpPr>
+          <p:nvPr>
+            <p:ph type="ctrTitle"/>
+          </p:nvPr>
         </p:nvSpPr>
         <p:spPr>
           <a:xfrm>
-            <a:off x="1628800" y="179512"/>
-            <a:ext cx="5040560" cy="360040"/>
+            <a:off x="0" y="304800"/>
+            <a:ext cx="6858000" cy="1197429"/>
+          </a:xfrm>
+        </p:spPr>
+        <p:style>
+          <a:lnRef idx="2">
+            <a:schemeClr val="dk1"/>
+          </a:lnRef>
+          <a:fillRef idx="1">
+            <a:schemeClr val="lt1"/>
+          </a:fillRef>
+          <a:effectRef idx="0">
+            <a:schemeClr val="dk1"/>
+          </a:effectRef>
+          <a:fontRef idx="minor">
+            <a:schemeClr val="dk1"/>
+          </a:fontRef>
+        </p:style>
+        <p:txBody>
+          <a:bodyPr>
+            <a:normAutofit/>
+          </a:bodyPr>
+          <a:lstStyle/>
+          <a:p>
+            <a:r>
+              <a:rPr lang="fr-FR" dirty="0" err="1" smtClean="0"/>
+              <a:t>Arena</a:t>
+            </a:r>
+            <a:endParaRPr lang="fr-FR" dirty="0"/>
+          </a:p>
+        </p:txBody>
+      </p:sp>
+      <p:sp>
+        <p:nvSpPr>
+          <p:cNvPr id="3" name="Subtitle 2"/>
+          <p:cNvSpPr>
+            <a:spLocks noGrp="1"/>
+          </p:cNvSpPr>
+          <p:nvPr>
+            <p:ph type="subTitle" idx="1"/>
+          </p:nvPr>
+        </p:nvSpPr>
+        <p:spPr>
+          <a:xfrm>
+            <a:off x="0" y="1502229"/>
+            <a:ext cx="6858000" cy="642257"/>
+          </a:xfrm>
+        </p:spPr>
+        <p:style>
+          <a:lnRef idx="2">
+            <a:schemeClr val="dk1"/>
+          </a:lnRef>
+          <a:fillRef idx="1">
+            <a:schemeClr val="lt1"/>
+          </a:fillRef>
+          <a:effectRef idx="0">
+            <a:schemeClr val="dk1"/>
+          </a:effectRef>
+          <a:fontRef idx="minor">
+            <a:schemeClr val="dk1"/>
+          </a:fontRef>
+        </p:style>
+        <p:txBody>
+          <a:bodyPr/>
+          <a:lstStyle/>
+          <a:p>
+            <a:r>
+              <a:rPr lang="fr-FR" dirty="0" err="1" smtClean="0"/>
+              <a:t>Abilities</a:t>
+            </a:r>
+            <a:endParaRPr lang="fr-FR" dirty="0"/>
+          </a:p>
+        </p:txBody>
+      </p:sp>
+      <p:sp>
+        <p:nvSpPr>
+          <p:cNvPr id="4" name="Title 1"/>
+          <p:cNvSpPr txBox="1">
+            <a:spLocks/>
+          </p:cNvSpPr>
+          <p:nvPr/>
+        </p:nvSpPr>
+        <p:spPr>
+          <a:xfrm>
+            <a:off x="0" y="1"/>
+            <a:ext cx="6858000" cy="304800"/>
           </a:xfrm>
           <a:prstGeom prst="rect">
             <a:avLst/>
@@ -3134,1500 +3084,61 @@
           </a:fontRef>
         </p:style>
         <p:txBody>
-          <a:bodyPr rtlCol="0" anchor="ctr"/>
-          <a:lstStyle/>
-          <a:p>
-            <a:pPr algn="ctr"/>
-            <a:endParaRPr lang="fr-FR"/>
-          </a:p>
-        </p:txBody>
-      </p:sp>
-      <p:sp>
-        <p:nvSpPr>
-          <p:cNvPr id="5" name="Rectangle 4"/>
-          <p:cNvSpPr/>
-          <p:nvPr/>
-        </p:nvSpPr>
-        <p:spPr>
-          <a:xfrm>
-            <a:off x="267217" y="755576"/>
-            <a:ext cx="6408712" cy="792088"/>
-          </a:xfrm>
-          <a:prstGeom prst="rect">
-            <a:avLst/>
-          </a:prstGeom>
-        </p:spPr>
-        <p:style>
-          <a:lnRef idx="2">
-            <a:schemeClr val="dk1"/>
-          </a:lnRef>
-          <a:fillRef idx="1">
-            <a:schemeClr val="lt1"/>
-          </a:fillRef>
-          <a:effectRef idx="0">
-            <a:schemeClr val="dk1"/>
-          </a:effectRef>
-          <a:fontRef idx="minor">
-            <a:schemeClr val="dk1"/>
-          </a:fontRef>
-        </p:style>
-        <p:txBody>
-          <a:bodyPr rtlCol="0" anchor="ctr"/>
-          <a:lstStyle/>
-          <a:p>
-            <a:pPr algn="ctr"/>
-            <a:endParaRPr lang="fr-FR"/>
-          </a:p>
-        </p:txBody>
-      </p:sp>
-      <p:sp>
-        <p:nvSpPr>
-          <p:cNvPr id="6" name="Rectangle 5"/>
-          <p:cNvSpPr/>
-          <p:nvPr/>
-        </p:nvSpPr>
-        <p:spPr>
-          <a:xfrm>
-            <a:off x="267217" y="1691680"/>
-            <a:ext cx="6402143" cy="7200800"/>
-          </a:xfrm>
-          <a:prstGeom prst="rect">
-            <a:avLst/>
-          </a:prstGeom>
-        </p:spPr>
-        <p:style>
-          <a:lnRef idx="2">
-            <a:schemeClr val="dk1"/>
-          </a:lnRef>
-          <a:fillRef idx="1">
-            <a:schemeClr val="lt1"/>
-          </a:fillRef>
-          <a:effectRef idx="0">
-            <a:schemeClr val="dk1"/>
-          </a:effectRef>
-          <a:fontRef idx="minor">
-            <a:schemeClr val="dk1"/>
-          </a:fontRef>
-        </p:style>
-        <p:txBody>
-          <a:bodyPr rtlCol="0" anchor="ctr"/>
-          <a:lstStyle/>
-          <a:p>
-            <a:pPr algn="ctr"/>
-            <a:endParaRPr lang="fr-FR"/>
-          </a:p>
-        </p:txBody>
-      </p:sp>
-      <p:sp>
-        <p:nvSpPr>
-          <p:cNvPr id="7" name="Rectangle 6"/>
-          <p:cNvSpPr/>
-          <p:nvPr/>
-        </p:nvSpPr>
-        <p:spPr>
-          <a:xfrm>
-            <a:off x="267217" y="179512"/>
-            <a:ext cx="1217567" cy="360040"/>
-          </a:xfrm>
-          <a:prstGeom prst="rect">
-            <a:avLst/>
-          </a:prstGeom>
-        </p:spPr>
-        <p:style>
-          <a:lnRef idx="2">
-            <a:schemeClr val="dk1"/>
-          </a:lnRef>
-          <a:fillRef idx="1">
-            <a:schemeClr val="lt1"/>
-          </a:fillRef>
-          <a:effectRef idx="0">
-            <a:schemeClr val="dk1"/>
-          </a:effectRef>
-          <a:fontRef idx="minor">
-            <a:schemeClr val="dk1"/>
-          </a:fontRef>
-        </p:style>
-        <p:txBody>
-          <a:bodyPr rtlCol="0" anchor="ctr"/>
-          <a:lstStyle/>
-          <a:p>
-            <a:pPr algn="ctr"/>
-            <a:endParaRPr lang="fr-FR"/>
+          <a:bodyPr vert="horz" lIns="91440" tIns="45720" rIns="91440" bIns="45720" rtlCol="0" anchor="b">
+            <a:normAutofit fontScale="40000" lnSpcReduction="20000"/>
+          </a:bodyPr>
+          <a:lstStyle>
+            <a:lvl1pPr algn="ctr" defTabSz="685800" rtl="0" eaLnBrk="1" latinLnBrk="0" hangingPunct="1">
+              <a:lnSpc>
+                <a:spcPct val="90000"/>
+              </a:lnSpc>
+              <a:spcBef>
+                <a:spcPct val="0"/>
+              </a:spcBef>
+              <a:buNone/>
+              <a:defRPr sz="4500" kern="1200">
+                <a:solidFill>
+                  <a:schemeClr val="tx1"/>
+                </a:solidFill>
+                <a:latin typeface="+mj-lt"/>
+                <a:ea typeface="+mj-ea"/>
+                <a:cs typeface="+mj-cs"/>
+              </a:defRPr>
+            </a:lvl1pPr>
+          </a:lstStyle>
+          <a:p>
+            <a:r>
+              <a:rPr lang="fr-FR" dirty="0" smtClean="0"/>
+              <a:t>Menu</a:t>
+            </a:r>
+            <a:endParaRPr lang="fr-FR" dirty="0"/>
           </a:p>
         </p:txBody>
       </p:sp>
     </p:spTree>
     <p:extLst>
       <p:ext uri="{BB962C8B-B14F-4D97-AF65-F5344CB8AC3E}">
-        <p14:creationId xmlns:p14="http://schemas.microsoft.com/office/powerpoint/2010/main" val="1778319449"/>
+        <p14:creationId xmlns:p14="http://schemas.microsoft.com/office/powerpoint/2010/main" val="4133850912"/>
       </p:ext>
     </p:extLst>
   </p:cSld>
   <p:clrMapOvr>
     <a:masterClrMapping/>
   </p:clrMapOvr>
-</p:sld>
-</file>
-
-<file path=ppt/slides/slide2.xml><?xml version="1.0" encoding="utf-8"?>
-<p:sld xmlns:a="http://schemas.openxmlformats.org/drawingml/2006/main" xmlns:r="http://schemas.openxmlformats.org/officeDocument/2006/relationships" xmlns:p="http://schemas.openxmlformats.org/presentationml/2006/main">
-  <p:cSld>
-    <p:spTree>
-      <p:nvGrpSpPr>
-        <p:cNvPr id="1" name=""/>
-        <p:cNvGrpSpPr/>
-        <p:nvPr/>
-      </p:nvGrpSpPr>
-      <p:grpSpPr>
-        <a:xfrm>
-          <a:off x="0" y="0"/>
-          <a:ext cx="0" cy="0"/>
-          <a:chOff x="0" y="0"/>
-          <a:chExt cx="0" cy="0"/>
-        </a:xfrm>
-      </p:grpSpPr>
-      <p:sp>
-        <p:nvSpPr>
-          <p:cNvPr id="4" name="Rounded Rectangle 3"/>
-          <p:cNvSpPr/>
-          <p:nvPr/>
-        </p:nvSpPr>
-        <p:spPr>
-          <a:xfrm>
-            <a:off x="3212976" y="683568"/>
-            <a:ext cx="1080120" cy="1080120"/>
-          </a:xfrm>
-          <a:prstGeom prst="roundRect">
-            <a:avLst/>
-          </a:prstGeom>
-        </p:spPr>
-        <p:style>
-          <a:lnRef idx="2">
-            <a:schemeClr val="dk1"/>
-          </a:lnRef>
-          <a:fillRef idx="1">
-            <a:schemeClr val="lt1"/>
-          </a:fillRef>
-          <a:effectRef idx="0">
-            <a:schemeClr val="dk1"/>
-          </a:effectRef>
-          <a:fontRef idx="minor">
-            <a:schemeClr val="dk1"/>
-          </a:fontRef>
-        </p:style>
-        <p:txBody>
-          <a:bodyPr rtlCol="0" anchor="ctr"/>
-          <a:lstStyle/>
-          <a:p>
-            <a:pPr algn="ctr"/>
-            <a:endParaRPr lang="fr-FR"/>
-          </a:p>
-        </p:txBody>
-      </p:sp>
-      <p:sp>
-        <p:nvSpPr>
-          <p:cNvPr id="5" name="Rounded Rectangle 4"/>
-          <p:cNvSpPr/>
-          <p:nvPr/>
-        </p:nvSpPr>
-        <p:spPr>
-          <a:xfrm>
-            <a:off x="4653136" y="395536"/>
-            <a:ext cx="1656184" cy="1656184"/>
-          </a:xfrm>
-          <a:prstGeom prst="roundRect">
-            <a:avLst/>
-          </a:prstGeom>
-        </p:spPr>
-        <p:style>
-          <a:lnRef idx="2">
-            <a:schemeClr val="dk1"/>
-          </a:lnRef>
-          <a:fillRef idx="1">
-            <a:schemeClr val="lt1"/>
-          </a:fillRef>
-          <a:effectRef idx="0">
-            <a:schemeClr val="dk1"/>
-          </a:effectRef>
-          <a:fontRef idx="minor">
-            <a:schemeClr val="dk1"/>
-          </a:fontRef>
-        </p:style>
-        <p:txBody>
-          <a:bodyPr rtlCol="0" anchor="ctr"/>
-          <a:lstStyle/>
-          <a:p>
-            <a:pPr algn="ctr"/>
-            <a:endParaRPr lang="fr-FR"/>
-          </a:p>
-        </p:txBody>
-      </p:sp>
-      <p:sp>
-        <p:nvSpPr>
-          <p:cNvPr id="6" name="Rounded Rectangle 5"/>
-          <p:cNvSpPr/>
-          <p:nvPr/>
-        </p:nvSpPr>
-        <p:spPr>
-          <a:xfrm>
-            <a:off x="476672" y="2411760"/>
-            <a:ext cx="5832648" cy="1656184"/>
-          </a:xfrm>
-          <a:prstGeom prst="roundRect">
-            <a:avLst/>
-          </a:prstGeom>
-        </p:spPr>
-        <p:style>
-          <a:lnRef idx="2">
-            <a:schemeClr val="dk1"/>
-          </a:lnRef>
-          <a:fillRef idx="1">
-            <a:schemeClr val="lt1"/>
-          </a:fillRef>
-          <a:effectRef idx="0">
-            <a:schemeClr val="dk1"/>
-          </a:effectRef>
-          <a:fontRef idx="minor">
-            <a:schemeClr val="dk1"/>
-          </a:fontRef>
-        </p:style>
-        <p:txBody>
-          <a:bodyPr rtlCol="0" anchor="ctr"/>
-          <a:lstStyle/>
-          <a:p>
-            <a:pPr algn="ctr"/>
-            <a:endParaRPr lang="fr-FR"/>
-          </a:p>
-        </p:txBody>
-      </p:sp>
-      <p:sp>
-        <p:nvSpPr>
-          <p:cNvPr id="7" name="Rounded Rectangle 6"/>
-          <p:cNvSpPr/>
-          <p:nvPr/>
-        </p:nvSpPr>
-        <p:spPr>
-          <a:xfrm>
-            <a:off x="476672" y="4427984"/>
-            <a:ext cx="5832648" cy="4320480"/>
-          </a:xfrm>
-          <a:prstGeom prst="roundRect">
-            <a:avLst>
-              <a:gd name="adj" fmla="val 8934"/>
-            </a:avLst>
-          </a:prstGeom>
-        </p:spPr>
-        <p:style>
-          <a:lnRef idx="2">
-            <a:schemeClr val="dk1"/>
-          </a:lnRef>
-          <a:fillRef idx="1">
-            <a:schemeClr val="lt1"/>
-          </a:fillRef>
-          <a:effectRef idx="0">
-            <a:schemeClr val="dk1"/>
-          </a:effectRef>
-          <a:fontRef idx="minor">
-            <a:schemeClr val="dk1"/>
-          </a:fontRef>
-        </p:style>
-        <p:txBody>
-          <a:bodyPr rtlCol="0" anchor="ctr"/>
-          <a:lstStyle/>
-          <a:p>
-            <a:pPr algn="ctr"/>
-            <a:endParaRPr lang="fr-FR"/>
-          </a:p>
-        </p:txBody>
-      </p:sp>
-      <p:sp>
-        <p:nvSpPr>
-          <p:cNvPr id="8" name="TextBox 7"/>
-          <p:cNvSpPr txBox="1"/>
-          <p:nvPr/>
-        </p:nvSpPr>
-        <p:spPr>
-          <a:xfrm>
-            <a:off x="44624" y="715796"/>
-            <a:ext cx="2952328" cy="1015663"/>
-          </a:xfrm>
-          <a:prstGeom prst="rect">
-            <a:avLst/>
-          </a:prstGeom>
-          <a:noFill/>
-        </p:spPr>
-        <p:txBody>
-          <a:bodyPr wrap="square" rtlCol="0">
-            <a:spAutoFit/>
-          </a:bodyPr>
-          <a:lstStyle/>
-          <a:p>
-            <a:pPr algn="ctr"/>
-            <a:r>
-              <a:rPr lang="fr-FR" sz="6000" dirty="0" err="1" smtClean="0"/>
-              <a:t>Charac</a:t>
-            </a:r>
-            <a:endParaRPr lang="fr-FR" sz="6000" dirty="0"/>
-          </a:p>
-        </p:txBody>
-      </p:sp>
-      <p:sp>
-        <p:nvSpPr>
-          <p:cNvPr id="9" name="TextBox 8"/>
-          <p:cNvSpPr txBox="1"/>
-          <p:nvPr/>
-        </p:nvSpPr>
-        <p:spPr>
-          <a:xfrm>
-            <a:off x="3212976" y="1763688"/>
-            <a:ext cx="1080120" cy="369332"/>
-          </a:xfrm>
-          <a:prstGeom prst="rect">
-            <a:avLst/>
-          </a:prstGeom>
-          <a:noFill/>
-        </p:spPr>
-        <p:txBody>
-          <a:bodyPr wrap="square" rtlCol="0">
-            <a:spAutoFit/>
-          </a:bodyPr>
-          <a:lstStyle/>
-          <a:p>
-            <a:pPr algn="ctr"/>
-            <a:r>
-              <a:rPr lang="fr-FR" dirty="0" err="1" smtClean="0"/>
-              <a:t>icon</a:t>
-            </a:r>
-            <a:endParaRPr lang="fr-FR" dirty="0"/>
-          </a:p>
-        </p:txBody>
-      </p:sp>
-      <p:sp>
-        <p:nvSpPr>
-          <p:cNvPr id="10" name="TextBox 9"/>
-          <p:cNvSpPr txBox="1"/>
-          <p:nvPr/>
-        </p:nvSpPr>
-        <p:spPr>
-          <a:xfrm>
-            <a:off x="4653136" y="2041793"/>
-            <a:ext cx="1656184" cy="369332"/>
-          </a:xfrm>
-          <a:prstGeom prst="rect">
-            <a:avLst/>
-          </a:prstGeom>
-          <a:noFill/>
-        </p:spPr>
-        <p:txBody>
-          <a:bodyPr wrap="square" rtlCol="0">
-            <a:spAutoFit/>
-          </a:bodyPr>
-          <a:lstStyle/>
-          <a:p>
-            <a:pPr algn="ctr"/>
-            <a:r>
-              <a:rPr lang="fr-FR" dirty="0" err="1" smtClean="0"/>
-              <a:t>Thumbnail</a:t>
-            </a:r>
-            <a:endParaRPr lang="fr-FR" dirty="0"/>
-          </a:p>
-        </p:txBody>
-      </p:sp>
-      <p:sp>
-        <p:nvSpPr>
-          <p:cNvPr id="11" name="TextBox 10"/>
-          <p:cNvSpPr txBox="1"/>
-          <p:nvPr/>
-        </p:nvSpPr>
-        <p:spPr>
-          <a:xfrm>
-            <a:off x="2564904" y="4037239"/>
-            <a:ext cx="1656184" cy="369332"/>
-          </a:xfrm>
-          <a:prstGeom prst="rect">
-            <a:avLst/>
-          </a:prstGeom>
-          <a:noFill/>
-        </p:spPr>
-        <p:txBody>
-          <a:bodyPr wrap="square" rtlCol="0">
-            <a:spAutoFit/>
-          </a:bodyPr>
-          <a:lstStyle/>
-          <a:p>
-            <a:pPr algn="ctr"/>
-            <a:r>
-              <a:rPr lang="fr-FR" dirty="0" smtClean="0"/>
-              <a:t>Standard</a:t>
-            </a:r>
-            <a:endParaRPr lang="fr-FR" dirty="0"/>
-          </a:p>
-        </p:txBody>
-      </p:sp>
-      <p:sp>
-        <p:nvSpPr>
-          <p:cNvPr id="12" name="TextBox 11"/>
-          <p:cNvSpPr txBox="1"/>
-          <p:nvPr/>
-        </p:nvSpPr>
-        <p:spPr>
-          <a:xfrm>
-            <a:off x="2524654" y="8748464"/>
-            <a:ext cx="1656184" cy="369332"/>
-          </a:xfrm>
-          <a:prstGeom prst="rect">
-            <a:avLst/>
-          </a:prstGeom>
-          <a:noFill/>
-        </p:spPr>
-        <p:txBody>
-          <a:bodyPr wrap="square" rtlCol="0">
-            <a:spAutoFit/>
-          </a:bodyPr>
-          <a:lstStyle/>
-          <a:p>
-            <a:pPr algn="ctr"/>
-            <a:r>
-              <a:rPr lang="fr-FR" dirty="0" smtClean="0"/>
-              <a:t>Edit</a:t>
-            </a:r>
-            <a:endParaRPr lang="fr-FR" dirty="0"/>
-          </a:p>
-        </p:txBody>
-      </p:sp>
-    </p:spTree>
-    <p:extLst>
-      <p:ext uri="{BB962C8B-B14F-4D97-AF65-F5344CB8AC3E}">
-        <p14:creationId xmlns:p14="http://schemas.microsoft.com/office/powerpoint/2010/main" val="3958633683"/>
-      </p:ext>
-    </p:extLst>
-  </p:cSld>
-  <p:clrMapOvr>
-    <a:masterClrMapping/>
-  </p:clrMapOvr>
-</p:sld>
-</file>
-
-<file path=ppt/slides/slide3.xml><?xml version="1.0" encoding="utf-8"?>
-<p:sld xmlns:a="http://schemas.openxmlformats.org/drawingml/2006/main" xmlns:r="http://schemas.openxmlformats.org/officeDocument/2006/relationships" xmlns:p="http://schemas.openxmlformats.org/presentationml/2006/main">
-  <p:cSld>
-    <p:spTree>
-      <p:nvGrpSpPr>
-        <p:cNvPr id="1" name=""/>
-        <p:cNvGrpSpPr/>
-        <p:nvPr/>
-      </p:nvGrpSpPr>
-      <p:grpSpPr>
-        <a:xfrm>
-          <a:off x="0" y="0"/>
-          <a:ext cx="0" cy="0"/>
-          <a:chOff x="0" y="0"/>
-          <a:chExt cx="0" cy="0"/>
-        </a:xfrm>
-      </p:grpSpPr>
-      <p:sp>
-        <p:nvSpPr>
-          <p:cNvPr id="4" name="Rounded Rectangle 3"/>
-          <p:cNvSpPr/>
-          <p:nvPr/>
-        </p:nvSpPr>
-        <p:spPr>
-          <a:xfrm>
-            <a:off x="3212976" y="683568"/>
-            <a:ext cx="1080120" cy="1080120"/>
-          </a:xfrm>
-          <a:prstGeom prst="roundRect">
-            <a:avLst/>
-          </a:prstGeom>
-        </p:spPr>
-        <p:style>
-          <a:lnRef idx="2">
-            <a:schemeClr val="dk1"/>
-          </a:lnRef>
-          <a:fillRef idx="1">
-            <a:schemeClr val="lt1"/>
-          </a:fillRef>
-          <a:effectRef idx="0">
-            <a:schemeClr val="dk1"/>
-          </a:effectRef>
-          <a:fontRef idx="minor">
-            <a:schemeClr val="dk1"/>
-          </a:fontRef>
-        </p:style>
-        <p:txBody>
-          <a:bodyPr rtlCol="0" anchor="ctr"/>
-          <a:lstStyle/>
-          <a:p>
-            <a:pPr algn="ctr"/>
-            <a:endParaRPr lang="fr-FR"/>
-          </a:p>
-        </p:txBody>
-      </p:sp>
-      <p:sp>
-        <p:nvSpPr>
-          <p:cNvPr id="5" name="Rounded Rectangle 4"/>
-          <p:cNvSpPr/>
-          <p:nvPr/>
-        </p:nvSpPr>
-        <p:spPr>
-          <a:xfrm>
-            <a:off x="4653136" y="395536"/>
-            <a:ext cx="1656184" cy="1656184"/>
-          </a:xfrm>
-          <a:prstGeom prst="roundRect">
-            <a:avLst/>
-          </a:prstGeom>
-        </p:spPr>
-        <p:style>
-          <a:lnRef idx="2">
-            <a:schemeClr val="dk1"/>
-          </a:lnRef>
-          <a:fillRef idx="1">
-            <a:schemeClr val="lt1"/>
-          </a:fillRef>
-          <a:effectRef idx="0">
-            <a:schemeClr val="dk1"/>
-          </a:effectRef>
-          <a:fontRef idx="minor">
-            <a:schemeClr val="dk1"/>
-          </a:fontRef>
-        </p:style>
-        <p:txBody>
-          <a:bodyPr rtlCol="0" anchor="ctr"/>
-          <a:lstStyle/>
-          <a:p>
-            <a:pPr algn="ctr"/>
-            <a:endParaRPr lang="fr-FR"/>
-          </a:p>
-        </p:txBody>
-      </p:sp>
-      <p:sp>
-        <p:nvSpPr>
-          <p:cNvPr id="6" name="Rounded Rectangle 5"/>
-          <p:cNvSpPr/>
-          <p:nvPr/>
-        </p:nvSpPr>
-        <p:spPr>
-          <a:xfrm>
-            <a:off x="476672" y="2411760"/>
-            <a:ext cx="5832648" cy="1656184"/>
-          </a:xfrm>
-          <a:prstGeom prst="roundRect">
-            <a:avLst/>
-          </a:prstGeom>
-        </p:spPr>
-        <p:style>
-          <a:lnRef idx="2">
-            <a:schemeClr val="dk1"/>
-          </a:lnRef>
-          <a:fillRef idx="1">
-            <a:schemeClr val="lt1"/>
-          </a:fillRef>
-          <a:effectRef idx="0">
-            <a:schemeClr val="dk1"/>
-          </a:effectRef>
-          <a:fontRef idx="minor">
-            <a:schemeClr val="dk1"/>
-          </a:fontRef>
-        </p:style>
-        <p:txBody>
-          <a:bodyPr rtlCol="0" anchor="ctr"/>
-          <a:lstStyle/>
-          <a:p>
-            <a:pPr algn="ctr"/>
-            <a:endParaRPr lang="fr-FR"/>
-          </a:p>
-        </p:txBody>
-      </p:sp>
-      <p:sp>
-        <p:nvSpPr>
-          <p:cNvPr id="7" name="Rounded Rectangle 6"/>
-          <p:cNvSpPr/>
-          <p:nvPr/>
-        </p:nvSpPr>
-        <p:spPr>
-          <a:xfrm>
-            <a:off x="476672" y="4427984"/>
-            <a:ext cx="5832648" cy="4320480"/>
-          </a:xfrm>
-          <a:prstGeom prst="roundRect">
-            <a:avLst>
-              <a:gd name="adj" fmla="val 8934"/>
-            </a:avLst>
-          </a:prstGeom>
-        </p:spPr>
-        <p:style>
-          <a:lnRef idx="2">
-            <a:schemeClr val="dk1"/>
-          </a:lnRef>
-          <a:fillRef idx="1">
-            <a:schemeClr val="lt1"/>
-          </a:fillRef>
-          <a:effectRef idx="0">
-            <a:schemeClr val="dk1"/>
-          </a:effectRef>
-          <a:fontRef idx="minor">
-            <a:schemeClr val="dk1"/>
-          </a:fontRef>
-        </p:style>
-        <p:txBody>
-          <a:bodyPr rtlCol="0" anchor="ctr"/>
-          <a:lstStyle/>
-          <a:p>
-            <a:pPr algn="ctr"/>
-            <a:endParaRPr lang="fr-FR"/>
-          </a:p>
-        </p:txBody>
-      </p:sp>
-      <p:sp>
-        <p:nvSpPr>
-          <p:cNvPr id="8" name="TextBox 7"/>
-          <p:cNvSpPr txBox="1"/>
-          <p:nvPr/>
-        </p:nvSpPr>
-        <p:spPr>
-          <a:xfrm>
-            <a:off x="908720" y="715796"/>
-            <a:ext cx="1224136" cy="1015663"/>
-          </a:xfrm>
-          <a:prstGeom prst="rect">
-            <a:avLst/>
-          </a:prstGeom>
-          <a:noFill/>
-        </p:spPr>
-        <p:txBody>
-          <a:bodyPr wrap="square" rtlCol="0">
-            <a:spAutoFit/>
-          </a:bodyPr>
-          <a:lstStyle/>
-          <a:p>
-            <a:r>
-              <a:rPr lang="fr-FR" sz="6000" dirty="0" smtClean="0"/>
-              <a:t>HP</a:t>
-            </a:r>
-            <a:endParaRPr lang="fr-FR" sz="6000" dirty="0"/>
-          </a:p>
-        </p:txBody>
-      </p:sp>
-      <p:sp>
-        <p:nvSpPr>
-          <p:cNvPr id="9" name="TextBox 8"/>
-          <p:cNvSpPr txBox="1"/>
-          <p:nvPr/>
-        </p:nvSpPr>
-        <p:spPr>
-          <a:xfrm>
-            <a:off x="3212976" y="1763688"/>
-            <a:ext cx="1080120" cy="369332"/>
-          </a:xfrm>
-          <a:prstGeom prst="rect">
-            <a:avLst/>
-          </a:prstGeom>
-          <a:noFill/>
-        </p:spPr>
-        <p:txBody>
-          <a:bodyPr wrap="square" rtlCol="0">
-            <a:spAutoFit/>
-          </a:bodyPr>
-          <a:lstStyle/>
-          <a:p>
-            <a:pPr algn="ctr"/>
-            <a:r>
-              <a:rPr lang="fr-FR" dirty="0" err="1" smtClean="0"/>
-              <a:t>icon</a:t>
-            </a:r>
-            <a:endParaRPr lang="fr-FR" dirty="0"/>
-          </a:p>
-        </p:txBody>
-      </p:sp>
-      <p:sp>
-        <p:nvSpPr>
-          <p:cNvPr id="10" name="TextBox 9"/>
-          <p:cNvSpPr txBox="1"/>
-          <p:nvPr/>
-        </p:nvSpPr>
-        <p:spPr>
-          <a:xfrm>
-            <a:off x="4653136" y="2041793"/>
-            <a:ext cx="1656184" cy="369332"/>
-          </a:xfrm>
-          <a:prstGeom prst="rect">
-            <a:avLst/>
-          </a:prstGeom>
-          <a:noFill/>
-        </p:spPr>
-        <p:txBody>
-          <a:bodyPr wrap="square" rtlCol="0">
-            <a:spAutoFit/>
-          </a:bodyPr>
-          <a:lstStyle/>
-          <a:p>
-            <a:pPr algn="ctr"/>
-            <a:r>
-              <a:rPr lang="fr-FR" dirty="0" err="1" smtClean="0"/>
-              <a:t>Thumbnail</a:t>
-            </a:r>
-            <a:endParaRPr lang="fr-FR" dirty="0"/>
-          </a:p>
-        </p:txBody>
-      </p:sp>
-      <p:sp>
-        <p:nvSpPr>
-          <p:cNvPr id="11" name="TextBox 10"/>
-          <p:cNvSpPr txBox="1"/>
-          <p:nvPr/>
-        </p:nvSpPr>
-        <p:spPr>
-          <a:xfrm>
-            <a:off x="2564904" y="4037239"/>
-            <a:ext cx="1656184" cy="369332"/>
-          </a:xfrm>
-          <a:prstGeom prst="rect">
-            <a:avLst/>
-          </a:prstGeom>
-          <a:noFill/>
-        </p:spPr>
-        <p:txBody>
-          <a:bodyPr wrap="square" rtlCol="0">
-            <a:spAutoFit/>
-          </a:bodyPr>
-          <a:lstStyle/>
-          <a:p>
-            <a:pPr algn="ctr"/>
-            <a:r>
-              <a:rPr lang="fr-FR" dirty="0" smtClean="0"/>
-              <a:t>Standard</a:t>
-            </a:r>
-            <a:endParaRPr lang="fr-FR" dirty="0"/>
-          </a:p>
-        </p:txBody>
-      </p:sp>
-      <p:sp>
-        <p:nvSpPr>
-          <p:cNvPr id="12" name="TextBox 11"/>
-          <p:cNvSpPr txBox="1"/>
-          <p:nvPr/>
-        </p:nvSpPr>
-        <p:spPr>
-          <a:xfrm>
-            <a:off x="2524654" y="8748464"/>
-            <a:ext cx="1656184" cy="369332"/>
-          </a:xfrm>
-          <a:prstGeom prst="rect">
-            <a:avLst/>
-          </a:prstGeom>
-          <a:noFill/>
-        </p:spPr>
-        <p:txBody>
-          <a:bodyPr wrap="square" rtlCol="0">
-            <a:spAutoFit/>
-          </a:bodyPr>
-          <a:lstStyle/>
-          <a:p>
-            <a:pPr algn="ctr"/>
-            <a:r>
-              <a:rPr lang="fr-FR" dirty="0" smtClean="0"/>
-              <a:t>Edit</a:t>
-            </a:r>
-            <a:endParaRPr lang="fr-FR" dirty="0"/>
-          </a:p>
-        </p:txBody>
-      </p:sp>
-    </p:spTree>
-    <p:extLst>
-      <p:ext uri="{BB962C8B-B14F-4D97-AF65-F5344CB8AC3E}">
-        <p14:creationId xmlns:p14="http://schemas.microsoft.com/office/powerpoint/2010/main" val="130146029"/>
-      </p:ext>
-    </p:extLst>
-  </p:cSld>
-  <p:clrMapOvr>
-    <a:masterClrMapping/>
-  </p:clrMapOvr>
-</p:sld>
-</file>
-
-<file path=ppt/slides/slide4.xml><?xml version="1.0" encoding="utf-8"?>
-<p:sld xmlns:a="http://schemas.openxmlformats.org/drawingml/2006/main" xmlns:r="http://schemas.openxmlformats.org/officeDocument/2006/relationships" xmlns:p="http://schemas.openxmlformats.org/presentationml/2006/main">
-  <p:cSld>
-    <p:spTree>
-      <p:nvGrpSpPr>
-        <p:cNvPr id="1" name=""/>
-        <p:cNvGrpSpPr/>
-        <p:nvPr/>
-      </p:nvGrpSpPr>
-      <p:grpSpPr>
-        <a:xfrm>
-          <a:off x="0" y="0"/>
-          <a:ext cx="0" cy="0"/>
-          <a:chOff x="0" y="0"/>
-          <a:chExt cx="0" cy="0"/>
-        </a:xfrm>
-      </p:grpSpPr>
-      <p:sp>
-        <p:nvSpPr>
-          <p:cNvPr id="4" name="Rounded Rectangle 3"/>
-          <p:cNvSpPr/>
-          <p:nvPr/>
-        </p:nvSpPr>
-        <p:spPr>
-          <a:xfrm>
-            <a:off x="3212976" y="683568"/>
-            <a:ext cx="1080120" cy="1080120"/>
-          </a:xfrm>
-          <a:prstGeom prst="roundRect">
-            <a:avLst/>
-          </a:prstGeom>
-        </p:spPr>
-        <p:style>
-          <a:lnRef idx="2">
-            <a:schemeClr val="dk1"/>
-          </a:lnRef>
-          <a:fillRef idx="1">
-            <a:schemeClr val="lt1"/>
-          </a:fillRef>
-          <a:effectRef idx="0">
-            <a:schemeClr val="dk1"/>
-          </a:effectRef>
-          <a:fontRef idx="minor">
-            <a:schemeClr val="dk1"/>
-          </a:fontRef>
-        </p:style>
-        <p:txBody>
-          <a:bodyPr rtlCol="0" anchor="ctr"/>
-          <a:lstStyle/>
-          <a:p>
-            <a:pPr algn="ctr"/>
-            <a:endParaRPr lang="fr-FR"/>
-          </a:p>
-        </p:txBody>
-      </p:sp>
-      <p:sp>
-        <p:nvSpPr>
-          <p:cNvPr id="5" name="Rounded Rectangle 4"/>
-          <p:cNvSpPr/>
-          <p:nvPr/>
-        </p:nvSpPr>
-        <p:spPr>
-          <a:xfrm>
-            <a:off x="4653136" y="395536"/>
-            <a:ext cx="1656184" cy="1656184"/>
-          </a:xfrm>
-          <a:prstGeom prst="roundRect">
-            <a:avLst/>
-          </a:prstGeom>
-        </p:spPr>
-        <p:style>
-          <a:lnRef idx="2">
-            <a:schemeClr val="dk1"/>
-          </a:lnRef>
-          <a:fillRef idx="1">
-            <a:schemeClr val="lt1"/>
-          </a:fillRef>
-          <a:effectRef idx="0">
-            <a:schemeClr val="dk1"/>
-          </a:effectRef>
-          <a:fontRef idx="minor">
-            <a:schemeClr val="dk1"/>
-          </a:fontRef>
-        </p:style>
-        <p:txBody>
-          <a:bodyPr rtlCol="0" anchor="ctr"/>
-          <a:lstStyle/>
-          <a:p>
-            <a:pPr algn="ctr"/>
-            <a:endParaRPr lang="fr-FR"/>
-          </a:p>
-        </p:txBody>
-      </p:sp>
-      <p:sp>
-        <p:nvSpPr>
-          <p:cNvPr id="6" name="Rounded Rectangle 5"/>
-          <p:cNvSpPr/>
-          <p:nvPr/>
-        </p:nvSpPr>
-        <p:spPr>
-          <a:xfrm>
-            <a:off x="476672" y="2411760"/>
-            <a:ext cx="5832648" cy="1656184"/>
-          </a:xfrm>
-          <a:prstGeom prst="roundRect">
-            <a:avLst/>
-          </a:prstGeom>
-        </p:spPr>
-        <p:style>
-          <a:lnRef idx="2">
-            <a:schemeClr val="dk1"/>
-          </a:lnRef>
-          <a:fillRef idx="1">
-            <a:schemeClr val="lt1"/>
-          </a:fillRef>
-          <a:effectRef idx="0">
-            <a:schemeClr val="dk1"/>
-          </a:effectRef>
-          <a:fontRef idx="minor">
-            <a:schemeClr val="dk1"/>
-          </a:fontRef>
-        </p:style>
-        <p:txBody>
-          <a:bodyPr rtlCol="0" anchor="ctr"/>
-          <a:lstStyle/>
-          <a:p>
-            <a:pPr algn="ctr"/>
-            <a:endParaRPr lang="fr-FR"/>
-          </a:p>
-        </p:txBody>
-      </p:sp>
-      <p:sp>
-        <p:nvSpPr>
-          <p:cNvPr id="7" name="Rounded Rectangle 6"/>
-          <p:cNvSpPr/>
-          <p:nvPr/>
-        </p:nvSpPr>
-        <p:spPr>
-          <a:xfrm>
-            <a:off x="476672" y="4427984"/>
-            <a:ext cx="5832648" cy="4320480"/>
-          </a:xfrm>
-          <a:prstGeom prst="roundRect">
-            <a:avLst>
-              <a:gd name="adj" fmla="val 8934"/>
-            </a:avLst>
-          </a:prstGeom>
-        </p:spPr>
-        <p:style>
-          <a:lnRef idx="2">
-            <a:schemeClr val="dk1"/>
-          </a:lnRef>
-          <a:fillRef idx="1">
-            <a:schemeClr val="lt1"/>
-          </a:fillRef>
-          <a:effectRef idx="0">
-            <a:schemeClr val="dk1"/>
-          </a:effectRef>
-          <a:fontRef idx="minor">
-            <a:schemeClr val="dk1"/>
-          </a:fontRef>
-        </p:style>
-        <p:txBody>
-          <a:bodyPr rtlCol="0" anchor="ctr"/>
-          <a:lstStyle/>
-          <a:p>
-            <a:pPr algn="ctr"/>
-            <a:endParaRPr lang="fr-FR"/>
-          </a:p>
-        </p:txBody>
-      </p:sp>
-      <p:sp>
-        <p:nvSpPr>
-          <p:cNvPr id="8" name="TextBox 7"/>
-          <p:cNvSpPr txBox="1"/>
-          <p:nvPr/>
-        </p:nvSpPr>
-        <p:spPr>
-          <a:xfrm>
-            <a:off x="44624" y="715796"/>
-            <a:ext cx="2952328" cy="1015663"/>
-          </a:xfrm>
-          <a:prstGeom prst="rect">
-            <a:avLst/>
-          </a:prstGeom>
-          <a:noFill/>
-        </p:spPr>
-        <p:txBody>
-          <a:bodyPr wrap="square" rtlCol="0">
-            <a:spAutoFit/>
-          </a:bodyPr>
-          <a:lstStyle/>
-          <a:p>
-            <a:pPr algn="ctr"/>
-            <a:r>
-              <a:rPr lang="fr-FR" sz="6000" dirty="0" smtClean="0"/>
-              <a:t>Attack</a:t>
-            </a:r>
-            <a:endParaRPr lang="fr-FR" sz="6000" dirty="0"/>
-          </a:p>
-        </p:txBody>
-      </p:sp>
-      <p:sp>
-        <p:nvSpPr>
-          <p:cNvPr id="9" name="TextBox 8"/>
-          <p:cNvSpPr txBox="1"/>
-          <p:nvPr/>
-        </p:nvSpPr>
-        <p:spPr>
-          <a:xfrm>
-            <a:off x="3212976" y="1763688"/>
-            <a:ext cx="1080120" cy="369332"/>
-          </a:xfrm>
-          <a:prstGeom prst="rect">
-            <a:avLst/>
-          </a:prstGeom>
-          <a:noFill/>
-        </p:spPr>
-        <p:txBody>
-          <a:bodyPr wrap="square" rtlCol="0">
-            <a:spAutoFit/>
-          </a:bodyPr>
-          <a:lstStyle/>
-          <a:p>
-            <a:pPr algn="ctr"/>
-            <a:r>
-              <a:rPr lang="fr-FR" dirty="0" err="1" smtClean="0"/>
-              <a:t>icon</a:t>
-            </a:r>
-            <a:endParaRPr lang="fr-FR" dirty="0"/>
-          </a:p>
-        </p:txBody>
-      </p:sp>
-      <p:sp>
-        <p:nvSpPr>
-          <p:cNvPr id="10" name="TextBox 9"/>
-          <p:cNvSpPr txBox="1"/>
-          <p:nvPr/>
-        </p:nvSpPr>
-        <p:spPr>
-          <a:xfrm>
-            <a:off x="4653136" y="2041793"/>
-            <a:ext cx="1656184" cy="369332"/>
-          </a:xfrm>
-          <a:prstGeom prst="rect">
-            <a:avLst/>
-          </a:prstGeom>
-          <a:noFill/>
-        </p:spPr>
-        <p:txBody>
-          <a:bodyPr wrap="square" rtlCol="0">
-            <a:spAutoFit/>
-          </a:bodyPr>
-          <a:lstStyle/>
-          <a:p>
-            <a:pPr algn="ctr"/>
-            <a:r>
-              <a:rPr lang="fr-FR" dirty="0" err="1" smtClean="0"/>
-              <a:t>Thumbnail</a:t>
-            </a:r>
-            <a:endParaRPr lang="fr-FR" dirty="0"/>
-          </a:p>
-        </p:txBody>
-      </p:sp>
-      <p:sp>
-        <p:nvSpPr>
-          <p:cNvPr id="11" name="TextBox 10"/>
-          <p:cNvSpPr txBox="1"/>
-          <p:nvPr/>
-        </p:nvSpPr>
-        <p:spPr>
-          <a:xfrm>
-            <a:off x="2564904" y="4037239"/>
-            <a:ext cx="1656184" cy="369332"/>
-          </a:xfrm>
-          <a:prstGeom prst="rect">
-            <a:avLst/>
-          </a:prstGeom>
-          <a:noFill/>
-        </p:spPr>
-        <p:txBody>
-          <a:bodyPr wrap="square" rtlCol="0">
-            <a:spAutoFit/>
-          </a:bodyPr>
-          <a:lstStyle/>
-          <a:p>
-            <a:pPr algn="ctr"/>
-            <a:r>
-              <a:rPr lang="fr-FR" dirty="0" smtClean="0"/>
-              <a:t>Standard</a:t>
-            </a:r>
-            <a:endParaRPr lang="fr-FR" dirty="0"/>
-          </a:p>
-        </p:txBody>
-      </p:sp>
-      <p:sp>
-        <p:nvSpPr>
-          <p:cNvPr id="12" name="TextBox 11"/>
-          <p:cNvSpPr txBox="1"/>
-          <p:nvPr/>
-        </p:nvSpPr>
-        <p:spPr>
-          <a:xfrm>
-            <a:off x="2524654" y="8748464"/>
-            <a:ext cx="1656184" cy="369332"/>
-          </a:xfrm>
-          <a:prstGeom prst="rect">
-            <a:avLst/>
-          </a:prstGeom>
-          <a:noFill/>
-        </p:spPr>
-        <p:txBody>
-          <a:bodyPr wrap="square" rtlCol="0">
-            <a:spAutoFit/>
-          </a:bodyPr>
-          <a:lstStyle/>
-          <a:p>
-            <a:pPr algn="ctr"/>
-            <a:r>
-              <a:rPr lang="fr-FR" dirty="0" smtClean="0"/>
-              <a:t>Edit</a:t>
-            </a:r>
-            <a:endParaRPr lang="fr-FR" dirty="0"/>
-          </a:p>
-        </p:txBody>
-      </p:sp>
-    </p:spTree>
-    <p:extLst>
-      <p:ext uri="{BB962C8B-B14F-4D97-AF65-F5344CB8AC3E}">
-        <p14:creationId xmlns:p14="http://schemas.microsoft.com/office/powerpoint/2010/main" val="1636188986"/>
-      </p:ext>
-    </p:extLst>
-  </p:cSld>
-  <p:clrMapOvr>
-    <a:masterClrMapping/>
-  </p:clrMapOvr>
-</p:sld>
-</file>
-
-<file path=ppt/slides/slide5.xml><?xml version="1.0" encoding="utf-8"?>
-<p:sld xmlns:a="http://schemas.openxmlformats.org/drawingml/2006/main" xmlns:r="http://schemas.openxmlformats.org/officeDocument/2006/relationships" xmlns:p="http://schemas.openxmlformats.org/presentationml/2006/main">
-  <p:cSld>
-    <p:spTree>
-      <p:nvGrpSpPr>
-        <p:cNvPr id="1" name=""/>
-        <p:cNvGrpSpPr/>
-        <p:nvPr/>
-      </p:nvGrpSpPr>
-      <p:grpSpPr>
-        <a:xfrm>
-          <a:off x="0" y="0"/>
-          <a:ext cx="0" cy="0"/>
-          <a:chOff x="0" y="0"/>
-          <a:chExt cx="0" cy="0"/>
-        </a:xfrm>
-      </p:grpSpPr>
-      <p:sp>
-        <p:nvSpPr>
-          <p:cNvPr id="4" name="Rounded Rectangle 3"/>
-          <p:cNvSpPr/>
-          <p:nvPr/>
-        </p:nvSpPr>
-        <p:spPr>
-          <a:xfrm>
-            <a:off x="3212976" y="683568"/>
-            <a:ext cx="1080120" cy="1080120"/>
-          </a:xfrm>
-          <a:prstGeom prst="roundRect">
-            <a:avLst/>
-          </a:prstGeom>
-        </p:spPr>
-        <p:style>
-          <a:lnRef idx="2">
-            <a:schemeClr val="dk1"/>
-          </a:lnRef>
-          <a:fillRef idx="1">
-            <a:schemeClr val="lt1"/>
-          </a:fillRef>
-          <a:effectRef idx="0">
-            <a:schemeClr val="dk1"/>
-          </a:effectRef>
-          <a:fontRef idx="minor">
-            <a:schemeClr val="dk1"/>
-          </a:fontRef>
-        </p:style>
-        <p:txBody>
-          <a:bodyPr rtlCol="0" anchor="ctr"/>
-          <a:lstStyle/>
-          <a:p>
-            <a:pPr algn="ctr"/>
-            <a:endParaRPr lang="fr-FR"/>
-          </a:p>
-        </p:txBody>
-      </p:sp>
-      <p:sp>
-        <p:nvSpPr>
-          <p:cNvPr id="5" name="Rounded Rectangle 4"/>
-          <p:cNvSpPr/>
-          <p:nvPr/>
-        </p:nvSpPr>
-        <p:spPr>
-          <a:xfrm>
-            <a:off x="4653136" y="395536"/>
-            <a:ext cx="1656184" cy="1656184"/>
-          </a:xfrm>
-          <a:prstGeom prst="roundRect">
-            <a:avLst/>
-          </a:prstGeom>
-        </p:spPr>
-        <p:style>
-          <a:lnRef idx="2">
-            <a:schemeClr val="dk1"/>
-          </a:lnRef>
-          <a:fillRef idx="1">
-            <a:schemeClr val="lt1"/>
-          </a:fillRef>
-          <a:effectRef idx="0">
-            <a:schemeClr val="dk1"/>
-          </a:effectRef>
-          <a:fontRef idx="minor">
-            <a:schemeClr val="dk1"/>
-          </a:fontRef>
-        </p:style>
-        <p:txBody>
-          <a:bodyPr rtlCol="0" anchor="ctr"/>
-          <a:lstStyle/>
-          <a:p>
-            <a:pPr algn="ctr"/>
-            <a:endParaRPr lang="fr-FR"/>
-          </a:p>
-        </p:txBody>
-      </p:sp>
-      <p:sp>
-        <p:nvSpPr>
-          <p:cNvPr id="6" name="Rounded Rectangle 5"/>
-          <p:cNvSpPr/>
-          <p:nvPr/>
-        </p:nvSpPr>
-        <p:spPr>
-          <a:xfrm>
-            <a:off x="476672" y="2411760"/>
-            <a:ext cx="5832648" cy="1656184"/>
-          </a:xfrm>
-          <a:prstGeom prst="roundRect">
-            <a:avLst/>
-          </a:prstGeom>
-        </p:spPr>
-        <p:style>
-          <a:lnRef idx="2">
-            <a:schemeClr val="dk1"/>
-          </a:lnRef>
-          <a:fillRef idx="1">
-            <a:schemeClr val="lt1"/>
-          </a:fillRef>
-          <a:effectRef idx="0">
-            <a:schemeClr val="dk1"/>
-          </a:effectRef>
-          <a:fontRef idx="minor">
-            <a:schemeClr val="dk1"/>
-          </a:fontRef>
-        </p:style>
-        <p:txBody>
-          <a:bodyPr rtlCol="0" anchor="ctr"/>
-          <a:lstStyle/>
-          <a:p>
-            <a:pPr algn="ctr"/>
-            <a:endParaRPr lang="fr-FR"/>
-          </a:p>
-        </p:txBody>
-      </p:sp>
-      <p:sp>
-        <p:nvSpPr>
-          <p:cNvPr id="7" name="Rounded Rectangle 6"/>
-          <p:cNvSpPr/>
-          <p:nvPr/>
-        </p:nvSpPr>
-        <p:spPr>
-          <a:xfrm>
-            <a:off x="476672" y="4427984"/>
-            <a:ext cx="5832648" cy="4320480"/>
-          </a:xfrm>
-          <a:prstGeom prst="roundRect">
-            <a:avLst>
-              <a:gd name="adj" fmla="val 8934"/>
-            </a:avLst>
-          </a:prstGeom>
-        </p:spPr>
-        <p:style>
-          <a:lnRef idx="2">
-            <a:schemeClr val="dk1"/>
-          </a:lnRef>
-          <a:fillRef idx="1">
-            <a:schemeClr val="lt1"/>
-          </a:fillRef>
-          <a:effectRef idx="0">
-            <a:schemeClr val="dk1"/>
-          </a:effectRef>
-          <a:fontRef idx="minor">
-            <a:schemeClr val="dk1"/>
-          </a:fontRef>
-        </p:style>
-        <p:txBody>
-          <a:bodyPr rtlCol="0" anchor="ctr"/>
-          <a:lstStyle/>
-          <a:p>
-            <a:pPr algn="ctr"/>
-            <a:endParaRPr lang="fr-FR"/>
-          </a:p>
-        </p:txBody>
-      </p:sp>
-      <p:sp>
-        <p:nvSpPr>
-          <p:cNvPr id="8" name="TextBox 7"/>
-          <p:cNvSpPr txBox="1"/>
-          <p:nvPr/>
-        </p:nvSpPr>
-        <p:spPr>
-          <a:xfrm>
-            <a:off x="44624" y="715796"/>
-            <a:ext cx="2952328" cy="1015663"/>
-          </a:xfrm>
-          <a:prstGeom prst="rect">
-            <a:avLst/>
-          </a:prstGeom>
-          <a:noFill/>
-        </p:spPr>
-        <p:txBody>
-          <a:bodyPr wrap="square" rtlCol="0">
-            <a:spAutoFit/>
-          </a:bodyPr>
-          <a:lstStyle/>
-          <a:p>
-            <a:pPr algn="ctr"/>
-            <a:r>
-              <a:rPr lang="fr-FR" sz="6000" dirty="0" err="1" smtClean="0"/>
-              <a:t>Init</a:t>
-            </a:r>
-            <a:endParaRPr lang="fr-FR" sz="6000" dirty="0"/>
-          </a:p>
-        </p:txBody>
-      </p:sp>
-      <p:sp>
-        <p:nvSpPr>
-          <p:cNvPr id="9" name="TextBox 8"/>
-          <p:cNvSpPr txBox="1"/>
-          <p:nvPr/>
-        </p:nvSpPr>
-        <p:spPr>
-          <a:xfrm>
-            <a:off x="3212976" y="1763688"/>
-            <a:ext cx="1080120" cy="369332"/>
-          </a:xfrm>
-          <a:prstGeom prst="rect">
-            <a:avLst/>
-          </a:prstGeom>
-          <a:noFill/>
-        </p:spPr>
-        <p:txBody>
-          <a:bodyPr wrap="square" rtlCol="0">
-            <a:spAutoFit/>
-          </a:bodyPr>
-          <a:lstStyle/>
-          <a:p>
-            <a:pPr algn="ctr"/>
-            <a:r>
-              <a:rPr lang="fr-FR" dirty="0" err="1" smtClean="0"/>
-              <a:t>icon</a:t>
-            </a:r>
-            <a:endParaRPr lang="fr-FR" dirty="0"/>
-          </a:p>
-        </p:txBody>
-      </p:sp>
-      <p:sp>
-        <p:nvSpPr>
-          <p:cNvPr id="10" name="TextBox 9"/>
-          <p:cNvSpPr txBox="1"/>
-          <p:nvPr/>
-        </p:nvSpPr>
-        <p:spPr>
-          <a:xfrm>
-            <a:off x="4653136" y="2041793"/>
-            <a:ext cx="1656184" cy="369332"/>
-          </a:xfrm>
-          <a:prstGeom prst="rect">
-            <a:avLst/>
-          </a:prstGeom>
-          <a:noFill/>
-        </p:spPr>
-        <p:txBody>
-          <a:bodyPr wrap="square" rtlCol="0">
-            <a:spAutoFit/>
-          </a:bodyPr>
-          <a:lstStyle/>
-          <a:p>
-            <a:pPr algn="ctr"/>
-            <a:r>
-              <a:rPr lang="fr-FR" dirty="0" err="1" smtClean="0"/>
-              <a:t>Thumbnail</a:t>
-            </a:r>
-            <a:endParaRPr lang="fr-FR" dirty="0"/>
-          </a:p>
-        </p:txBody>
-      </p:sp>
-      <p:sp>
-        <p:nvSpPr>
-          <p:cNvPr id="11" name="TextBox 10"/>
-          <p:cNvSpPr txBox="1"/>
-          <p:nvPr/>
-        </p:nvSpPr>
-        <p:spPr>
-          <a:xfrm>
-            <a:off x="2564904" y="4037239"/>
-            <a:ext cx="1656184" cy="369332"/>
-          </a:xfrm>
-          <a:prstGeom prst="rect">
-            <a:avLst/>
-          </a:prstGeom>
-          <a:noFill/>
-        </p:spPr>
-        <p:txBody>
-          <a:bodyPr wrap="square" rtlCol="0">
-            <a:spAutoFit/>
-          </a:bodyPr>
-          <a:lstStyle/>
-          <a:p>
-            <a:pPr algn="ctr"/>
-            <a:r>
-              <a:rPr lang="fr-FR" dirty="0" smtClean="0"/>
-              <a:t>Standard</a:t>
-            </a:r>
-            <a:endParaRPr lang="fr-FR" dirty="0"/>
-          </a:p>
-        </p:txBody>
-      </p:sp>
-      <p:sp>
-        <p:nvSpPr>
-          <p:cNvPr id="12" name="TextBox 11"/>
-          <p:cNvSpPr txBox="1"/>
-          <p:nvPr/>
-        </p:nvSpPr>
-        <p:spPr>
-          <a:xfrm>
-            <a:off x="2524654" y="8748464"/>
-            <a:ext cx="1656184" cy="369332"/>
-          </a:xfrm>
-          <a:prstGeom prst="rect">
-            <a:avLst/>
-          </a:prstGeom>
-          <a:noFill/>
-        </p:spPr>
-        <p:txBody>
-          <a:bodyPr wrap="square" rtlCol="0">
-            <a:spAutoFit/>
-          </a:bodyPr>
-          <a:lstStyle/>
-          <a:p>
-            <a:pPr algn="ctr"/>
-            <a:r>
-              <a:rPr lang="fr-FR" dirty="0" smtClean="0"/>
-              <a:t>Edit</a:t>
-            </a:r>
-            <a:endParaRPr lang="fr-FR" dirty="0"/>
-          </a:p>
-        </p:txBody>
-      </p:sp>
-    </p:spTree>
-    <p:extLst>
-      <p:ext uri="{BB962C8B-B14F-4D97-AF65-F5344CB8AC3E}">
-        <p14:creationId xmlns:p14="http://schemas.microsoft.com/office/powerpoint/2010/main" val="600357991"/>
-      </p:ext>
-    </p:extLst>
-  </p:cSld>
-  <p:clrMapOvr>
-    <a:masterClrMapping/>
-  </p:clrMapOvr>
+  <p:timing>
+    <p:tnLst>
+      <p:par>
+        <p:cTn id="1" dur="indefinite" restart="never" nodeType="tmRoot"/>
+      </p:par>
+    </p:tnLst>
+  </p:timing>
 </p:sld>
 </file>
 
 <file path=ppt/theme/theme1.xml><?xml version="1.0" encoding="utf-8"?>
 <a:theme xmlns:a="http://schemas.openxmlformats.org/drawingml/2006/main" name="Office Theme">
   <a:themeElements>
-    <a:clrScheme name="Office">
+    <a:clrScheme name="Office Theme">
       <a:dk1>
         <a:sysClr val="windowText" lastClr="000000"/>
       </a:dk1>
@@ -4635,39 +3146,39 @@
         <a:sysClr val="window" lastClr="FFFFFF"/>
       </a:lt1>
       <a:dk2>
-        <a:srgbClr val="1F497D"/>
+        <a:srgbClr val="44546A"/>
       </a:dk2>
       <a:lt2>
-        <a:srgbClr val="EEECE1"/>
+        <a:srgbClr val="E7E6E6"/>
       </a:lt2>
       <a:accent1>
-        <a:srgbClr val="4F81BD"/>
+        <a:srgbClr val="5B9BD5"/>
       </a:accent1>
       <a:accent2>
-        <a:srgbClr val="C0504D"/>
+        <a:srgbClr val="ED7D31"/>
       </a:accent2>
       <a:accent3>
-        <a:srgbClr val="9BBB59"/>
+        <a:srgbClr val="A5A5A5"/>
       </a:accent3>
       <a:accent4>
-        <a:srgbClr val="8064A2"/>
+        <a:srgbClr val="FFC000"/>
       </a:accent4>
       <a:accent5>
-        <a:srgbClr val="4BACC6"/>
+        <a:srgbClr val="4472C4"/>
       </a:accent5>
       <a:accent6>
-        <a:srgbClr val="F79646"/>
+        <a:srgbClr val="70AD47"/>
       </a:accent6>
       <a:hlink>
-        <a:srgbClr val="0000FF"/>
+        <a:srgbClr val="0563C1"/>
       </a:hlink>
       <a:folHlink>
-        <a:srgbClr val="800080"/>
+        <a:srgbClr val="954F72"/>
       </a:folHlink>
     </a:clrScheme>
-    <a:fontScheme name="Office">
+    <a:fontScheme name="Office Theme">
       <a:majorFont>
-        <a:latin typeface="Calibri"/>
+        <a:latin typeface="Calibri Light" panose="020F0302020204030204"/>
         <a:ea typeface=""/>
         <a:cs typeface=""/>
         <a:font script="Jpan" typeface="ＭＳ Ｐゴシック"/>
@@ -4702,7 +3213,7 @@
         <a:font script="Geor" typeface="Sylfaen"/>
       </a:majorFont>
       <a:minorFont>
-        <a:latin typeface="Calibri"/>
+        <a:latin typeface="Calibri" panose="020F0502020204030204"/>
         <a:ea typeface=""/>
         <a:cs typeface=""/>
         <a:font script="Jpan" typeface="ＭＳ Ｐゴシック"/>
@@ -4737,7 +3248,7 @@
         <a:font script="Geor" typeface="Sylfaen"/>
       </a:minorFont>
     </a:fontScheme>
-    <a:fmtScheme name="Office">
+    <a:fmtScheme name="Office Theme">
       <a:fillStyleLst>
         <a:solidFill>
           <a:schemeClr val="phClr"/>
@@ -4746,165 +3257,141 @@
           <a:gsLst>
             <a:gs pos="0">
               <a:schemeClr val="phClr">
-                <a:tint val="50000"/>
-                <a:satMod val="300000"/>
+                <a:lumMod val="110000"/>
+                <a:satMod val="105000"/>
+                <a:tint val="67000"/>
               </a:schemeClr>
             </a:gs>
-            <a:gs pos="35000">
+            <a:gs pos="50000">
               <a:schemeClr val="phClr">
-                <a:tint val="37000"/>
-                <a:satMod val="300000"/>
+                <a:lumMod val="105000"/>
+                <a:satMod val="103000"/>
+                <a:tint val="73000"/>
               </a:schemeClr>
             </a:gs>
             <a:gs pos="100000">
               <a:schemeClr val="phClr">
-                <a:tint val="15000"/>
-                <a:satMod val="350000"/>
+                <a:lumMod val="105000"/>
+                <a:satMod val="109000"/>
+                <a:tint val="81000"/>
               </a:schemeClr>
             </a:gs>
           </a:gsLst>
-          <a:lin ang="16200000" scaled="1"/>
+          <a:lin ang="5400000" scaled="0"/>
         </a:gradFill>
         <a:gradFill rotWithShape="1">
           <a:gsLst>
             <a:gs pos="0">
               <a:schemeClr val="phClr">
-                <a:shade val="51000"/>
-                <a:satMod val="130000"/>
+                <a:satMod val="103000"/>
+                <a:lumMod val="102000"/>
+                <a:tint val="94000"/>
               </a:schemeClr>
             </a:gs>
-            <a:gs pos="80000">
+            <a:gs pos="50000">
               <a:schemeClr val="phClr">
-                <a:shade val="93000"/>
-                <a:satMod val="130000"/>
+                <a:satMod val="110000"/>
+                <a:lumMod val="100000"/>
+                <a:shade val="100000"/>
               </a:schemeClr>
             </a:gs>
             <a:gs pos="100000">
               <a:schemeClr val="phClr">
-                <a:shade val="94000"/>
-                <a:satMod val="135000"/>
+                <a:lumMod val="99000"/>
+                <a:satMod val="120000"/>
+                <a:shade val="78000"/>
               </a:schemeClr>
             </a:gs>
           </a:gsLst>
-          <a:lin ang="16200000" scaled="0"/>
+          <a:lin ang="5400000" scaled="0"/>
         </a:gradFill>
       </a:fillStyleLst>
       <a:lnStyleLst>
-        <a:ln w="9525" cap="flat" cmpd="sng" algn="ctr">
-          <a:solidFill>
-            <a:schemeClr val="phClr">
-              <a:shade val="95000"/>
-              <a:satMod val="105000"/>
-            </a:schemeClr>
-          </a:solidFill>
-          <a:prstDash val="solid"/>
-        </a:ln>
-        <a:ln w="25400" cap="flat" cmpd="sng" algn="ctr">
+        <a:ln w="6350" cap="flat" cmpd="sng" algn="ctr">
           <a:solidFill>
             <a:schemeClr val="phClr"/>
           </a:solidFill>
           <a:prstDash val="solid"/>
+          <a:miter lim="800000"/>
         </a:ln>
-        <a:ln w="38100" cap="flat" cmpd="sng" algn="ctr">
+        <a:ln w="12700" cap="flat" cmpd="sng" algn="ctr">
           <a:solidFill>
             <a:schemeClr val="phClr"/>
           </a:solidFill>
           <a:prstDash val="solid"/>
+          <a:miter lim="800000"/>
+        </a:ln>
+        <a:ln w="19050" cap="flat" cmpd="sng" algn="ctr">
+          <a:solidFill>
+            <a:schemeClr val="phClr"/>
+          </a:solidFill>
+          <a:prstDash val="solid"/>
+          <a:miter lim="800000"/>
         </a:ln>
       </a:lnStyleLst>
       <a:effectStyleLst>
         <a:effectStyle>
+          <a:effectLst/>
+        </a:effectStyle>
+        <a:effectStyle>
+          <a:effectLst/>
+        </a:effectStyle>
+        <a:effectStyle>
           <a:effectLst>
-            <a:outerShdw blurRad="40000" dist="20000" dir="5400000" rotWithShape="0">
+            <a:outerShdw blurRad="57150" dist="19050" dir="5400000" algn="ctr" rotWithShape="0">
               <a:srgbClr val="000000">
-                <a:alpha val="38000"/>
+                <a:alpha val="63000"/>
               </a:srgbClr>
             </a:outerShdw>
           </a:effectLst>
-        </a:effectStyle>
-        <a:effectStyle>
-          <a:effectLst>
-            <a:outerShdw blurRad="40000" dist="23000" dir="5400000" rotWithShape="0">
-              <a:srgbClr val="000000">
-                <a:alpha val="35000"/>
-              </a:srgbClr>
-            </a:outerShdw>
-          </a:effectLst>
-        </a:effectStyle>
-        <a:effectStyle>
-          <a:effectLst>
-            <a:outerShdw blurRad="40000" dist="23000" dir="5400000" rotWithShape="0">
-              <a:srgbClr val="000000">
-                <a:alpha val="35000"/>
-              </a:srgbClr>
-            </a:outerShdw>
-          </a:effectLst>
-          <a:scene3d>
-            <a:camera prst="orthographicFront">
-              <a:rot lat="0" lon="0" rev="0"/>
-            </a:camera>
-            <a:lightRig rig="threePt" dir="t">
-              <a:rot lat="0" lon="0" rev="1200000"/>
-            </a:lightRig>
-          </a:scene3d>
-          <a:sp3d>
-            <a:bevelT w="63500" h="25400"/>
-          </a:sp3d>
         </a:effectStyle>
       </a:effectStyleLst>
       <a:bgFillStyleLst>
         <a:solidFill>
           <a:schemeClr val="phClr"/>
         </a:solidFill>
+        <a:solidFill>
+          <a:schemeClr val="phClr">
+            <a:tint val="95000"/>
+            <a:satMod val="170000"/>
+          </a:schemeClr>
+        </a:solidFill>
         <a:gradFill rotWithShape="1">
           <a:gsLst>
             <a:gs pos="0">
               <a:schemeClr val="phClr">
-                <a:tint val="40000"/>
-                <a:satMod val="350000"/>
+                <a:tint val="93000"/>
+                <a:satMod val="150000"/>
+                <a:shade val="98000"/>
+                <a:lumMod val="102000"/>
               </a:schemeClr>
             </a:gs>
-            <a:gs pos="40000">
+            <a:gs pos="50000">
               <a:schemeClr val="phClr">
-                <a:tint val="45000"/>
-                <a:shade val="99000"/>
-                <a:satMod val="350000"/>
+                <a:tint val="98000"/>
+                <a:satMod val="130000"/>
+                <a:shade val="90000"/>
+                <a:lumMod val="103000"/>
               </a:schemeClr>
             </a:gs>
             <a:gs pos="100000">
               <a:schemeClr val="phClr">
-                <a:shade val="20000"/>
-                <a:satMod val="255000"/>
+                <a:shade val="63000"/>
+                <a:satMod val="120000"/>
               </a:schemeClr>
             </a:gs>
           </a:gsLst>
-          <a:path path="circle">
-            <a:fillToRect l="50000" t="-80000" r="50000" b="180000"/>
-          </a:path>
-        </a:gradFill>
-        <a:gradFill rotWithShape="1">
-          <a:gsLst>
-            <a:gs pos="0">
-              <a:schemeClr val="phClr">
-                <a:tint val="80000"/>
-                <a:satMod val="300000"/>
-              </a:schemeClr>
-            </a:gs>
-            <a:gs pos="100000">
-              <a:schemeClr val="phClr">
-                <a:shade val="30000"/>
-                <a:satMod val="200000"/>
-              </a:schemeClr>
-            </a:gs>
-          </a:gsLst>
-          <a:path path="circle">
-            <a:fillToRect l="50000" t="50000" r="50000" b="50000"/>
-          </a:path>
+          <a:lin ang="5400000" scaled="0"/>
         </a:gradFill>
       </a:bgFillStyleLst>
     </a:fmtScheme>
   </a:themeElements>
   <a:objectDefaults/>
   <a:extraClrSchemeLst/>
+  <a:extLst>
+    <a:ext uri="{05A4C25C-085E-4340-85A3-A5531E510DB2}">
+      <thm15:themeFamily xmlns:thm15="http://schemas.microsoft.com/office/thememl/2012/main" name="Office Theme" id="{62F939B6-93AF-4DB8-9C6B-D6C7DFDC589F}" vid="{4A3C46E8-61CC-4603-A589-7422A47A8E4A}"/>
+    </a:ext>
+  </a:extLst>
 </a:theme>
 </file>
--- a/Docs/design/Wireframes.pptx
+++ b/Docs/design/Wireframes.pptx
@@ -2997,16 +2997,16 @@
           </a:fontRef>
         </p:style>
         <p:txBody>
-          <a:bodyPr>
+          <a:bodyPr anchor="ctr">
             <a:normAutofit/>
           </a:bodyPr>
           <a:lstStyle/>
           <a:p>
             <a:r>
-              <a:rPr lang="fr-FR" dirty="0" err="1" smtClean="0"/>
+              <a:rPr lang="fr-FR" sz="1800" dirty="0" err="1" smtClean="0"/>
               <a:t>Arena</a:t>
             </a:r>
-            <a:endParaRPr lang="fr-FR" dirty="0"/>
+            <a:endParaRPr lang="fr-FR" sz="1800" dirty="0"/>
           </a:p>
         </p:txBody>
       </p:sp>
@@ -3041,7 +3041,7 @@
           </a:fontRef>
         </p:style>
         <p:txBody>
-          <a:bodyPr/>
+          <a:bodyPr anchor="ctr"/>
           <a:lstStyle/>
           <a:p>
             <a:r>
@@ -3084,7 +3084,7 @@
           </a:fontRef>
         </p:style>
         <p:txBody>
-          <a:bodyPr vert="horz" lIns="91440" tIns="45720" rIns="91440" bIns="45720" rtlCol="0" anchor="b">
+          <a:bodyPr vert="horz" lIns="91440" tIns="45720" rIns="91440" bIns="45720" rtlCol="0" anchor="ctr">
             <a:normAutofit fontScale="40000" lnSpcReduction="20000"/>
           </a:bodyPr>
           <a:lstStyle>
@@ -3110,6 +3110,214 @@
             <a:r>
               <a:rPr lang="fr-FR" dirty="0" smtClean="0"/>
               <a:t>Menu</a:t>
+            </a:r>
+            <a:endParaRPr lang="fr-FR" dirty="0"/>
+          </a:p>
+        </p:txBody>
+      </p:sp>
+      <p:sp>
+        <p:nvSpPr>
+          <p:cNvPr id="5" name="Subtitle 2"/>
+          <p:cNvSpPr txBox="1">
+            <a:spLocks/>
+          </p:cNvSpPr>
+          <p:nvPr/>
+        </p:nvSpPr>
+        <p:spPr>
+          <a:xfrm>
+            <a:off x="0" y="2155371"/>
+            <a:ext cx="6858000" cy="642257"/>
+          </a:xfrm>
+          <a:prstGeom prst="rect">
+            <a:avLst/>
+          </a:prstGeom>
+        </p:spPr>
+        <p:style>
+          <a:lnRef idx="2">
+            <a:schemeClr val="dk1"/>
+          </a:lnRef>
+          <a:fillRef idx="1">
+            <a:schemeClr val="lt1"/>
+          </a:fillRef>
+          <a:effectRef idx="0">
+            <a:schemeClr val="dk1"/>
+          </a:effectRef>
+          <a:fontRef idx="minor">
+            <a:schemeClr val="dk1"/>
+          </a:fontRef>
+        </p:style>
+        <p:txBody>
+          <a:bodyPr vert="horz" lIns="91440" tIns="45720" rIns="91440" bIns="45720" rtlCol="0" anchor="ctr">
+            <a:normAutofit/>
+          </a:bodyPr>
+          <a:lstStyle>
+            <a:lvl1pPr marL="0" indent="0" algn="ctr" defTabSz="685800" rtl="0" eaLnBrk="1" latinLnBrk="0" hangingPunct="1">
+              <a:lnSpc>
+                <a:spcPct val="90000"/>
+              </a:lnSpc>
+              <a:spcBef>
+                <a:spcPts val="750"/>
+              </a:spcBef>
+              <a:buFont typeface="Arial" panose="020B0604020202020204" pitchFamily="34" charset="0"/>
+              <a:buNone/>
+              <a:defRPr sz="1800" kern="1200">
+                <a:solidFill>
+                  <a:schemeClr val="dk1"/>
+                </a:solidFill>
+                <a:latin typeface="+mn-lt"/>
+                <a:ea typeface="+mn-ea"/>
+                <a:cs typeface="+mn-cs"/>
+              </a:defRPr>
+            </a:lvl1pPr>
+            <a:lvl2pPr marL="342900" indent="0" algn="ctr" defTabSz="685800" rtl="0" eaLnBrk="1" latinLnBrk="0" hangingPunct="1">
+              <a:lnSpc>
+                <a:spcPct val="90000"/>
+              </a:lnSpc>
+              <a:spcBef>
+                <a:spcPts val="375"/>
+              </a:spcBef>
+              <a:buFont typeface="Arial" panose="020B0604020202020204" pitchFamily="34" charset="0"/>
+              <a:buNone/>
+              <a:defRPr sz="1500" kern="1200">
+                <a:solidFill>
+                  <a:schemeClr val="dk1"/>
+                </a:solidFill>
+                <a:latin typeface="+mn-lt"/>
+                <a:ea typeface="+mn-ea"/>
+                <a:cs typeface="+mn-cs"/>
+              </a:defRPr>
+            </a:lvl2pPr>
+            <a:lvl3pPr marL="685800" indent="0" algn="ctr" defTabSz="685800" rtl="0" eaLnBrk="1" latinLnBrk="0" hangingPunct="1">
+              <a:lnSpc>
+                <a:spcPct val="90000"/>
+              </a:lnSpc>
+              <a:spcBef>
+                <a:spcPts val="375"/>
+              </a:spcBef>
+              <a:buFont typeface="Arial" panose="020B0604020202020204" pitchFamily="34" charset="0"/>
+              <a:buNone/>
+              <a:defRPr sz="1350" kern="1200">
+                <a:solidFill>
+                  <a:schemeClr val="dk1"/>
+                </a:solidFill>
+                <a:latin typeface="+mn-lt"/>
+                <a:ea typeface="+mn-ea"/>
+                <a:cs typeface="+mn-cs"/>
+              </a:defRPr>
+            </a:lvl3pPr>
+            <a:lvl4pPr marL="1028700" indent="0" algn="ctr" defTabSz="685800" rtl="0" eaLnBrk="1" latinLnBrk="0" hangingPunct="1">
+              <a:lnSpc>
+                <a:spcPct val="90000"/>
+              </a:lnSpc>
+              <a:spcBef>
+                <a:spcPts val="375"/>
+              </a:spcBef>
+              <a:buFont typeface="Arial" panose="020B0604020202020204" pitchFamily="34" charset="0"/>
+              <a:buNone/>
+              <a:defRPr sz="1200" kern="1200">
+                <a:solidFill>
+                  <a:schemeClr val="dk1"/>
+                </a:solidFill>
+                <a:latin typeface="+mn-lt"/>
+                <a:ea typeface="+mn-ea"/>
+                <a:cs typeface="+mn-cs"/>
+              </a:defRPr>
+            </a:lvl4pPr>
+            <a:lvl5pPr marL="1371600" indent="0" algn="ctr" defTabSz="685800" rtl="0" eaLnBrk="1" latinLnBrk="0" hangingPunct="1">
+              <a:lnSpc>
+                <a:spcPct val="90000"/>
+              </a:lnSpc>
+              <a:spcBef>
+                <a:spcPts val="375"/>
+              </a:spcBef>
+              <a:buFont typeface="Arial" panose="020B0604020202020204" pitchFamily="34" charset="0"/>
+              <a:buNone/>
+              <a:defRPr sz="1200" kern="1200">
+                <a:solidFill>
+                  <a:schemeClr val="dk1"/>
+                </a:solidFill>
+                <a:latin typeface="+mn-lt"/>
+                <a:ea typeface="+mn-ea"/>
+                <a:cs typeface="+mn-cs"/>
+              </a:defRPr>
+            </a:lvl5pPr>
+            <a:lvl6pPr marL="1714500" indent="0" algn="ctr" defTabSz="685800" rtl="0" eaLnBrk="1" latinLnBrk="0" hangingPunct="1">
+              <a:lnSpc>
+                <a:spcPct val="90000"/>
+              </a:lnSpc>
+              <a:spcBef>
+                <a:spcPts val="375"/>
+              </a:spcBef>
+              <a:buFont typeface="Arial" panose="020B0604020202020204" pitchFamily="34" charset="0"/>
+              <a:buNone/>
+              <a:defRPr sz="1200" kern="1200">
+                <a:solidFill>
+                  <a:schemeClr val="dk1"/>
+                </a:solidFill>
+                <a:latin typeface="+mn-lt"/>
+                <a:ea typeface="+mn-ea"/>
+                <a:cs typeface="+mn-cs"/>
+              </a:defRPr>
+            </a:lvl6pPr>
+            <a:lvl7pPr marL="2057400" indent="0" algn="ctr" defTabSz="685800" rtl="0" eaLnBrk="1" latinLnBrk="0" hangingPunct="1">
+              <a:lnSpc>
+                <a:spcPct val="90000"/>
+              </a:lnSpc>
+              <a:spcBef>
+                <a:spcPts val="375"/>
+              </a:spcBef>
+              <a:buFont typeface="Arial" panose="020B0604020202020204" pitchFamily="34" charset="0"/>
+              <a:buNone/>
+              <a:defRPr sz="1200" kern="1200">
+                <a:solidFill>
+                  <a:schemeClr val="dk1"/>
+                </a:solidFill>
+                <a:latin typeface="+mn-lt"/>
+                <a:ea typeface="+mn-ea"/>
+                <a:cs typeface="+mn-cs"/>
+              </a:defRPr>
+            </a:lvl7pPr>
+            <a:lvl8pPr marL="2400300" indent="0" algn="ctr" defTabSz="685800" rtl="0" eaLnBrk="1" latinLnBrk="0" hangingPunct="1">
+              <a:lnSpc>
+                <a:spcPct val="90000"/>
+              </a:lnSpc>
+              <a:spcBef>
+                <a:spcPts val="375"/>
+              </a:spcBef>
+              <a:buFont typeface="Arial" panose="020B0604020202020204" pitchFamily="34" charset="0"/>
+              <a:buNone/>
+              <a:defRPr sz="1200" kern="1200">
+                <a:solidFill>
+                  <a:schemeClr val="dk1"/>
+                </a:solidFill>
+                <a:latin typeface="+mn-lt"/>
+                <a:ea typeface="+mn-ea"/>
+                <a:cs typeface="+mn-cs"/>
+              </a:defRPr>
+            </a:lvl8pPr>
+            <a:lvl9pPr marL="2743200" indent="0" algn="ctr" defTabSz="685800" rtl="0" eaLnBrk="1" latinLnBrk="0" hangingPunct="1">
+              <a:lnSpc>
+                <a:spcPct val="90000"/>
+              </a:lnSpc>
+              <a:spcBef>
+                <a:spcPts val="375"/>
+              </a:spcBef>
+              <a:buFont typeface="Arial" panose="020B0604020202020204" pitchFamily="34" charset="0"/>
+              <a:buNone/>
+              <a:defRPr sz="1200" kern="1200">
+                <a:solidFill>
+                  <a:schemeClr val="dk1"/>
+                </a:solidFill>
+                <a:latin typeface="+mn-lt"/>
+                <a:ea typeface="+mn-ea"/>
+                <a:cs typeface="+mn-cs"/>
+              </a:defRPr>
+            </a:lvl9pPr>
+          </a:lstStyle>
+          <a:p>
+            <a:r>
+              <a:rPr lang="fr-FR" dirty="0" smtClean="0"/>
+              <a:t>JS – CA - </a:t>
             </a:r>
             <a:endParaRPr lang="fr-FR" dirty="0"/>
           </a:p>
